--- a/EDA/eda.pptx
+++ b/EDA/eda.pptx
@@ -6,10 +6,10 @@
   </p:sldMasterIdLst>
   <p:sldIdLst>
     <p:sldId id="256" r:id="rId2"/>
-    <p:sldId id="257" r:id="rId3"/>
-    <p:sldId id="258" r:id="rId4"/>
-    <p:sldId id="259" r:id="rId5"/>
-    <p:sldId id="266" r:id="rId6"/>
+    <p:sldId id="259" r:id="rId3"/>
+    <p:sldId id="266" r:id="rId4"/>
+    <p:sldId id="257" r:id="rId5"/>
+    <p:sldId id="258" r:id="rId6"/>
     <p:sldId id="260" r:id="rId7"/>
     <p:sldId id="261" r:id="rId8"/>
     <p:sldId id="262" r:id="rId9"/>
@@ -125,7 +125,8 @@
 <file path=ppt/revisionInfo.xml><?xml version="1.0" encoding="utf-8"?>
 <p1510:revInfo xmlns:a="http://schemas.openxmlformats.org/drawingml/2006/main" xmlns:r="http://schemas.openxmlformats.org/officeDocument/2006/relationships" xmlns:p1510="http://schemas.microsoft.com/office/powerpoint/2015/10/main">
   <p1510:revLst>
-    <p1510:client id="{01E994CF-6BA9-49B1-8496-FC898B0DE8BF}" v="501" dt="2021-10-14T13:44:56.603"/>
+    <p1510:client id="{01E994CF-6BA9-49B1-8496-FC898B0DE8BF}" v="503" dt="2021-10-14T13:58:06.528"/>
+    <p1510:client id="{17C37EE4-20F5-4144-9FA0-B71B58DE79C4}" v="21" dt="2021-10-14T14:34:48.262"/>
     <p1510:client id="{35B09AB5-ACAF-4DD8-987C-6B5DE5551A95}" v="246" dt="2021-10-08T13:04:10.901"/>
     <p1510:client id="{51CECC49-28A6-4484-B189-2A45C81B9804}" v="242" dt="2021-10-14T13:09:13.879"/>
     <p1510:client id="{DE6DDADB-5DF9-4F98-BBF4-7A5E3429CCD0}" v="1223" dt="2021-10-09T12:32:41.370"/>
@@ -4430,6 +4431,736 @@
           <p:cNvPr id="2" name="Title 1">
             <a:extLst>
               <a:ext uri="{FF2B5EF4-FFF2-40B4-BE49-F238E27FC236}">
+                <a16:creationId xmlns:a16="http://schemas.microsoft.com/office/drawing/2014/main" id="{BFF0FA6F-E02B-4739-9F7E-73210C65776A}"/>
+              </a:ext>
+            </a:extLst>
+          </p:cNvPr>
+          <p:cNvSpPr>
+            <a:spLocks noGrp="1"/>
+          </p:cNvSpPr>
+          <p:nvPr>
+            <p:ph type="title"/>
+          </p:nvPr>
+        </p:nvSpPr>
+        <p:spPr/>
+        <p:txBody>
+          <a:bodyPr/>
+          <a:lstStyle/>
+          <a:p>
+            <a:r>
+              <a:rPr lang="en-US"/>
+              <a:t>Our sample :</a:t>
+            </a:r>
+          </a:p>
+        </p:txBody>
+      </p:sp>
+      <p:pic>
+        <p:nvPicPr>
+          <p:cNvPr id="4" name="Picture 4" descr="Chart, bar chart&#10;&#10;Description automatically generated">
+            <a:extLst>
+              <a:ext uri="{FF2B5EF4-FFF2-40B4-BE49-F238E27FC236}">
+                <a16:creationId xmlns:a16="http://schemas.microsoft.com/office/drawing/2014/main" id="{A98963EE-F709-4B9A-8C33-7B4110D2A07C}"/>
+              </a:ext>
+            </a:extLst>
+          </p:cNvPr>
+          <p:cNvPicPr>
+            <a:picLocks noGrp="1" noChangeAspect="1"/>
+          </p:cNvPicPr>
+          <p:nvPr>
+            <p:ph idx="1"/>
+          </p:nvPr>
+        </p:nvPicPr>
+        <p:blipFill>
+          <a:blip r:embed="rId2"/>
+          <a:stretch>
+            <a:fillRect/>
+          </a:stretch>
+        </p:blipFill>
+        <p:spPr>
+          <a:xfrm>
+            <a:off x="7594900" y="2023335"/>
+            <a:ext cx="3957917" cy="3957917"/>
+          </a:xfrm>
+        </p:spPr>
+      </p:pic>
+      <p:sp>
+        <p:nvSpPr>
+          <p:cNvPr id="5" name="TextBox 4">
+            <a:extLst>
+              <a:ext uri="{FF2B5EF4-FFF2-40B4-BE49-F238E27FC236}">
+                <a16:creationId xmlns:a16="http://schemas.microsoft.com/office/drawing/2014/main" id="{37B0D670-F77A-48FB-A4E0-9A81F28E4058}"/>
+              </a:ext>
+            </a:extLst>
+          </p:cNvPr>
+          <p:cNvSpPr txBox="1"/>
+          <p:nvPr/>
+        </p:nvSpPr>
+        <p:spPr>
+          <a:xfrm>
+            <a:off x="903195" y="2281518"/>
+            <a:ext cx="6698876" cy="3539430"/>
+          </a:xfrm>
+          <a:prstGeom prst="rect">
+            <a:avLst/>
+          </a:prstGeom>
+          <a:noFill/>
+        </p:spPr>
+        <p:txBody>
+          <a:bodyPr rot="0" spcFirstLastPara="0" vertOverflow="overflow" horzOverflow="overflow" vert="horz" wrap="square" lIns="91440" tIns="45720" rIns="91440" bIns="45720" numCol="1" spcCol="0" rtlCol="0" fromWordArt="0" anchor="t" anchorCtr="0" forceAA="0" compatLnSpc="1">
+            <a:prstTxWarp prst="textNoShape">
+              <a:avLst/>
+            </a:prstTxWarp>
+            <a:spAutoFit/>
+          </a:bodyPr>
+          <a:lstStyle/>
+          <a:p>
+            <a:r>
+              <a:rPr lang="en-US" sz="2400"/>
+              <a:t>Most of the patients in our dataset are un-persistent.</a:t>
+            </a:r>
+          </a:p>
+          <a:p>
+            <a:r>
+              <a:rPr lang="en-US" sz="2400"/>
+              <a:t>We have:</a:t>
+            </a:r>
+          </a:p>
+          <a:p>
+            <a:pPr marL="285750" indent="-285750">
+              <a:buFont typeface="Arial"/>
+              <a:buChar char="•"/>
+            </a:pPr>
+            <a:r>
+              <a:rPr lang="en-US" sz="2400">
+                <a:ea typeface="+mn-lt"/>
+                <a:cs typeface="+mn-lt"/>
+              </a:rPr>
+              <a:t>2135 un-persistent patients</a:t>
+            </a:r>
+          </a:p>
+          <a:p>
+            <a:pPr marL="285750" indent="-285750">
+              <a:buFont typeface="Arial"/>
+              <a:buChar char="•"/>
+            </a:pPr>
+            <a:r>
+              <a:rPr lang="en-US" sz="2400">
+                <a:ea typeface="+mn-lt"/>
+                <a:cs typeface="+mn-lt"/>
+              </a:rPr>
+              <a:t>1289 persistent patients</a:t>
+            </a:r>
+          </a:p>
+          <a:p>
+            <a:pPr marL="285750" indent="-285750">
+              <a:buFont typeface="Arial"/>
+              <a:buChar char="•"/>
+            </a:pPr>
+            <a:endParaRPr lang="en-US" sz="2400" dirty="0"/>
+          </a:p>
+          <a:p>
+            <a:r>
+              <a:rPr lang="en-US" sz="2000" dirty="0">
+                <a:solidFill>
+                  <a:schemeClr val="bg1">
+                    <a:lumMod val="50000"/>
+                  </a:schemeClr>
+                </a:solidFill>
+              </a:rPr>
+              <a:t>That will lead us to a point in our analysis that is normal to found unpersistent patients having a specific feature more than the persistent one so we will look to the features that exists in </a:t>
+            </a:r>
+            <a:r>
+              <a:rPr lang="en-US" sz="2000">
+                <a:solidFill>
+                  <a:schemeClr val="bg1">
+                    <a:lumMod val="50000"/>
+                  </a:schemeClr>
+                </a:solidFill>
+              </a:rPr>
+              <a:t>the persistent patients more than the not persistent</a:t>
+            </a:r>
+            <a:endParaRPr lang="en-US" sz="2000" dirty="0">
+              <a:solidFill>
+                <a:schemeClr val="bg1">
+                  <a:lumMod val="50000"/>
+                </a:schemeClr>
+              </a:solidFill>
+            </a:endParaRPr>
+          </a:p>
+        </p:txBody>
+      </p:sp>
+    </p:spTree>
+    <p:extLst>
+      <p:ext uri="{BB962C8B-B14F-4D97-AF65-F5344CB8AC3E}">
+        <p14:creationId xmlns:p14="http://schemas.microsoft.com/office/powerpoint/2010/main" val="407191293"/>
+      </p:ext>
+    </p:extLst>
+  </p:cSld>
+  <p:clrMapOvr>
+    <a:masterClrMapping/>
+  </p:clrMapOvr>
+</p:sld>
+</file>
+
+<file path=ppt/slides/slide3.xml><?xml version="1.0" encoding="utf-8"?>
+<p:sld xmlns:a="http://schemas.openxmlformats.org/drawingml/2006/main" xmlns:r="http://schemas.openxmlformats.org/officeDocument/2006/relationships" xmlns:p="http://schemas.openxmlformats.org/presentationml/2006/main">
+  <p:cSld>
+    <p:spTree>
+      <p:nvGrpSpPr>
+        <p:cNvPr id="1" name=""/>
+        <p:cNvGrpSpPr/>
+        <p:nvPr/>
+      </p:nvGrpSpPr>
+      <p:grpSpPr>
+        <a:xfrm>
+          <a:off x="0" y="0"/>
+          <a:ext cx="0" cy="0"/>
+          <a:chOff x="0" y="0"/>
+          <a:chExt cx="0" cy="0"/>
+        </a:xfrm>
+      </p:grpSpPr>
+      <p:sp>
+        <p:nvSpPr>
+          <p:cNvPr id="2" name="Title 1">
+            <a:extLst>
+              <a:ext uri="{FF2B5EF4-FFF2-40B4-BE49-F238E27FC236}">
+                <a16:creationId xmlns:a16="http://schemas.microsoft.com/office/drawing/2014/main" id="{4E0EC49C-442E-4A23-9306-D28CE4E73D62}"/>
+              </a:ext>
+            </a:extLst>
+          </p:cNvPr>
+          <p:cNvSpPr>
+            <a:spLocks noGrp="1"/>
+          </p:cNvSpPr>
+          <p:nvPr>
+            <p:ph type="title"/>
+          </p:nvPr>
+        </p:nvSpPr>
+        <p:spPr>
+          <a:xfrm>
+            <a:off x="810126" y="-678340"/>
+            <a:ext cx="10241280" cy="1234440"/>
+          </a:xfrm>
+        </p:spPr>
+        <p:txBody>
+          <a:bodyPr>
+            <a:normAutofit/>
+          </a:bodyPr>
+          <a:lstStyle/>
+          <a:p>
+            <a:r>
+              <a:rPr lang="en-US" sz="2800" dirty="0"/>
+              <a:t>Our sample:</a:t>
+            </a:r>
+          </a:p>
+        </p:txBody>
+      </p:sp>
+      <p:sp>
+        <p:nvSpPr>
+          <p:cNvPr id="3" name="Content Placeholder 2">
+            <a:extLst>
+              <a:ext uri="{FF2B5EF4-FFF2-40B4-BE49-F238E27FC236}">
+                <a16:creationId xmlns:a16="http://schemas.microsoft.com/office/drawing/2014/main" id="{BB462A35-B358-4E2C-800E-0673268C9F22}"/>
+              </a:ext>
+            </a:extLst>
+          </p:cNvPr>
+          <p:cNvSpPr>
+            <a:spLocks noGrp="1"/>
+          </p:cNvSpPr>
+          <p:nvPr>
+            <p:ph idx="1"/>
+          </p:nvPr>
+        </p:nvSpPr>
+        <p:spPr>
+          <a:xfrm>
+            <a:off x="589547" y="498027"/>
+            <a:ext cx="10953148" cy="9874877"/>
+          </a:xfrm>
+        </p:spPr>
+        <p:txBody>
+          <a:bodyPr vert="horz" lIns="0" tIns="0" rIns="0" bIns="0" rtlCol="0" anchor="t">
+            <a:noAutofit/>
+          </a:bodyPr>
+          <a:lstStyle/>
+          <a:p>
+            <a:r>
+              <a:rPr lang="en-US" sz="1200" dirty="0"/>
+              <a:t>Some features are very skewed to one value and the other value </a:t>
+            </a:r>
+            <a:r>
+              <a:rPr lang="en-US" sz="1200" dirty="0" err="1"/>
+              <a:t>approximatley</a:t>
+            </a:r>
+            <a:r>
+              <a:rPr lang="en-US" sz="1200" dirty="0"/>
+              <a:t> doesn't exist</a:t>
+            </a:r>
+          </a:p>
+          <a:p>
+            <a:pPr marL="457200" indent="-457200">
+              <a:buAutoNum type="arabicPeriod"/>
+            </a:pPr>
+            <a:r>
+              <a:rPr lang="en-US" sz="1200" dirty="0" err="1">
+                <a:ea typeface="+mn-lt"/>
+                <a:cs typeface="+mn-lt"/>
+              </a:rPr>
+              <a:t>Risk_Untreated_Early_Menopause</a:t>
+            </a:r>
+            <a:r>
+              <a:rPr lang="en-US" sz="1200" dirty="0">
+                <a:ea typeface="+mn-lt"/>
+                <a:cs typeface="+mn-lt"/>
+              </a:rPr>
+              <a:t> :</a:t>
+            </a:r>
+          </a:p>
+          <a:p>
+            <a:pPr lvl="1">
+              <a:buFont typeface="Arial"/>
+              <a:buChar char="•"/>
+            </a:pPr>
+            <a:r>
+              <a:rPr lang="en-US" sz="1200" dirty="0">
+                <a:ea typeface="+mn-lt"/>
+                <a:cs typeface="+mn-lt"/>
+              </a:rPr>
+              <a:t>3412 have No Risk</a:t>
+            </a:r>
+            <a:endParaRPr lang="en-US"/>
+          </a:p>
+          <a:p>
+            <a:pPr lvl="1">
+              <a:buFont typeface="Arial"/>
+              <a:buChar char="•"/>
+            </a:pPr>
+            <a:r>
+              <a:rPr lang="en-US" sz="1200" dirty="0">
+                <a:ea typeface="+mn-lt"/>
+                <a:cs typeface="+mn-lt"/>
+              </a:rPr>
+              <a:t>12 have Risk</a:t>
+            </a:r>
+          </a:p>
+          <a:p>
+            <a:pPr marL="457200" indent="-457200">
+              <a:buAutoNum type="arabicPeriod"/>
+            </a:pPr>
+            <a:r>
+              <a:rPr lang="en-US" sz="1200" dirty="0" err="1">
+                <a:ea typeface="+mn-lt"/>
+                <a:cs typeface="+mn-lt"/>
+              </a:rPr>
+              <a:t>Risk_Chronic_Liver_Disease</a:t>
+            </a:r>
+            <a:r>
+              <a:rPr lang="en-US" sz="1200" dirty="0">
+                <a:ea typeface="+mn-lt"/>
+                <a:cs typeface="+mn-lt"/>
+              </a:rPr>
+              <a:t>:</a:t>
+            </a:r>
+          </a:p>
+          <a:p>
+            <a:pPr marL="914400" lvl="1">
+              <a:buFont typeface="Arial"/>
+            </a:pPr>
+            <a:r>
+              <a:rPr lang="en-US" sz="1200" dirty="0">
+                <a:ea typeface="+mn-lt"/>
+                <a:cs typeface="+mn-lt"/>
+              </a:rPr>
+              <a:t>3406 have No Risk</a:t>
+            </a:r>
+          </a:p>
+          <a:p>
+            <a:pPr marL="914400" lvl="1"/>
+            <a:r>
+              <a:rPr lang="en-US" sz="1200" dirty="0">
+                <a:ea typeface="+mn-lt"/>
+                <a:cs typeface="+mn-lt"/>
+              </a:rPr>
+              <a:t>18 have Risk</a:t>
+            </a:r>
+          </a:p>
+          <a:p>
+            <a:pPr marL="457200" indent="-457200">
+              <a:buAutoNum type="arabicPeriod"/>
+            </a:pPr>
+            <a:r>
+              <a:rPr lang="en-US" sz="1200" dirty="0" err="1">
+                <a:ea typeface="+mn-lt"/>
+                <a:cs typeface="+mn-lt"/>
+              </a:rPr>
+              <a:t>Risk_Estrogen_Deficiency</a:t>
+            </a:r>
+            <a:r>
+              <a:rPr lang="en-US" sz="1200" dirty="0">
+                <a:ea typeface="+mn-lt"/>
+                <a:cs typeface="+mn-lt"/>
+              </a:rPr>
+              <a:t>:</a:t>
+            </a:r>
+          </a:p>
+          <a:p>
+            <a:pPr marL="914400" lvl="1" indent="-342900">
+              <a:buFont typeface="Arial"/>
+            </a:pPr>
+            <a:r>
+              <a:rPr lang="en-US" sz="1200" dirty="0">
+                <a:ea typeface="+mn-lt"/>
+                <a:cs typeface="+mn-lt"/>
+              </a:rPr>
+              <a:t>3413 have No Risk</a:t>
+            </a:r>
+          </a:p>
+          <a:p>
+            <a:pPr marL="914400" lvl="1" indent="-342900"/>
+            <a:r>
+              <a:rPr lang="en-US" sz="1200" dirty="0">
+                <a:ea typeface="+mn-lt"/>
+                <a:cs typeface="+mn-lt"/>
+              </a:rPr>
+              <a:t>11 have Risk</a:t>
+            </a:r>
+          </a:p>
+          <a:p>
+            <a:pPr marL="457200" indent="-457200">
+              <a:buAutoNum type="arabicPeriod"/>
+            </a:pPr>
+            <a:r>
+              <a:rPr lang="en-US" sz="1200" dirty="0" err="1">
+                <a:ea typeface="+mn-lt"/>
+                <a:cs typeface="+mn-lt"/>
+              </a:rPr>
+              <a:t>Risk_Immobilization</a:t>
+            </a:r>
+            <a:r>
+              <a:rPr lang="en-US" sz="1200" dirty="0">
+                <a:ea typeface="+mn-lt"/>
+                <a:cs typeface="+mn-lt"/>
+              </a:rPr>
+              <a:t>:</a:t>
+            </a:r>
+          </a:p>
+          <a:p>
+            <a:pPr marL="914400" lvl="1" indent="-342900">
+              <a:buFont typeface="Arial,Sans-Serif"/>
+              <a:buChar char="•"/>
+            </a:pPr>
+            <a:r>
+              <a:rPr lang="en-US" sz="1200" dirty="0">
+                <a:ea typeface="+mn-lt"/>
+                <a:cs typeface="+mn-lt"/>
+              </a:rPr>
+              <a:t>3410 have No Risk</a:t>
+            </a:r>
+            <a:endParaRPr lang="en-US" sz="1200">
+              <a:ea typeface="+mn-lt"/>
+              <a:cs typeface="+mn-lt"/>
+            </a:endParaRPr>
+          </a:p>
+          <a:p>
+            <a:pPr marL="914400" lvl="1" indent="-342900">
+              <a:buFont typeface="Arial,Sans-Serif" panose="020B0604020202020204" pitchFamily="34" charset="0"/>
+              <a:buChar char="•"/>
+            </a:pPr>
+            <a:r>
+              <a:rPr lang="en-US" sz="1200" dirty="0">
+                <a:ea typeface="+mn-lt"/>
+                <a:cs typeface="+mn-lt"/>
+              </a:rPr>
+              <a:t>14 have Risk</a:t>
+            </a:r>
+            <a:endParaRPr lang="en-US" sz="1200">
+              <a:ea typeface="+mn-lt"/>
+              <a:cs typeface="+mn-lt"/>
+            </a:endParaRPr>
+          </a:p>
+          <a:p>
+            <a:pPr marL="457200" indent="-457200">
+              <a:buAutoNum type="arabicPeriod"/>
+            </a:pPr>
+            <a:r>
+              <a:rPr lang="en-US" sz="1200" dirty="0" err="1">
+                <a:ea typeface="+mn-lt"/>
+                <a:cs typeface="+mn-lt"/>
+              </a:rPr>
+              <a:t>Risk_Untreated_Chronic_Hyperthyroidism</a:t>
+            </a:r>
+            <a:r>
+              <a:rPr lang="en-US" sz="1200" dirty="0">
+                <a:ea typeface="+mn-lt"/>
+                <a:cs typeface="+mn-lt"/>
+              </a:rPr>
+              <a:t>:</a:t>
+            </a:r>
+          </a:p>
+          <a:p>
+            <a:pPr marL="914400" lvl="1" indent="-342900">
+              <a:buFont typeface="Arial,Sans-Serif"/>
+              <a:buChar char="•"/>
+            </a:pPr>
+            <a:r>
+              <a:rPr lang="en-US" sz="1200" dirty="0">
+                <a:ea typeface="+mn-lt"/>
+                <a:cs typeface="+mn-lt"/>
+              </a:rPr>
+              <a:t>3422 Have No Risk</a:t>
+            </a:r>
+            <a:endParaRPr lang="en-US" sz="1200">
+              <a:ea typeface="+mn-lt"/>
+              <a:cs typeface="+mn-lt"/>
+            </a:endParaRPr>
+          </a:p>
+          <a:p>
+            <a:pPr marL="914400" lvl="1" indent="-342900">
+              <a:buFont typeface="Arial,Sans-Serif" panose="020B0604020202020204" pitchFamily="34" charset="0"/>
+              <a:buChar char="•"/>
+            </a:pPr>
+            <a:r>
+              <a:rPr lang="en-US" sz="1200" dirty="0">
+                <a:ea typeface="+mn-lt"/>
+                <a:cs typeface="+mn-lt"/>
+              </a:rPr>
+              <a:t>2 have Risk</a:t>
+            </a:r>
+            <a:endParaRPr lang="en-US" sz="1200">
+              <a:ea typeface="+mn-lt"/>
+              <a:cs typeface="+mn-lt"/>
+            </a:endParaRPr>
+          </a:p>
+          <a:p>
+            <a:pPr marL="457200" indent="-457200">
+              <a:buAutoNum type="arabicPeriod"/>
+            </a:pPr>
+            <a:r>
+              <a:rPr lang="en-US" sz="1200" dirty="0" err="1">
+                <a:ea typeface="+mn-lt"/>
+                <a:cs typeface="+mn-lt"/>
+              </a:rPr>
+              <a:t>Risk_Osteogenesis_Imperfecta</a:t>
+            </a:r>
+            <a:r>
+              <a:rPr lang="en-US" sz="1200" dirty="0">
+                <a:ea typeface="+mn-lt"/>
+                <a:cs typeface="+mn-lt"/>
+              </a:rPr>
+              <a:t>:</a:t>
+            </a:r>
+          </a:p>
+          <a:p>
+            <a:pPr marL="914400" lvl="1" indent="-342900">
+              <a:buFont typeface="Arial"/>
+            </a:pPr>
+            <a:r>
+              <a:rPr lang="en-US" sz="1200" dirty="0">
+                <a:ea typeface="+mn-lt"/>
+                <a:cs typeface="+mn-lt"/>
+              </a:rPr>
+              <a:t>3421 Have No Risk</a:t>
+            </a:r>
+          </a:p>
+          <a:p>
+            <a:pPr marL="914400" lvl="1" indent="-342900"/>
+            <a:r>
+              <a:rPr lang="en-US" sz="1200" dirty="0">
+                <a:ea typeface="+mn-lt"/>
+                <a:cs typeface="+mn-lt"/>
+              </a:rPr>
+              <a:t>3 Have Risk</a:t>
+            </a:r>
+          </a:p>
+          <a:p>
+            <a:pPr marL="457200" indent="-457200">
+              <a:buAutoNum type="arabicPeriod"/>
+            </a:pPr>
+            <a:endParaRPr lang="en-US" sz="1200" dirty="0">
+              <a:ea typeface="+mn-lt"/>
+              <a:cs typeface="+mn-lt"/>
+            </a:endParaRPr>
+          </a:p>
+          <a:p>
+            <a:pPr marL="457200" indent="-457200">
+              <a:buAutoNum type="arabicPeriod"/>
+            </a:pPr>
+            <a:endParaRPr lang="en-US" sz="1200" dirty="0">
+              <a:ea typeface="+mn-lt"/>
+              <a:cs typeface="+mn-lt"/>
+            </a:endParaRPr>
+          </a:p>
+          <a:p>
+            <a:pPr marL="914400" lvl="1" indent="-342900"/>
+            <a:endParaRPr lang="en-US" sz="1200" dirty="0">
+              <a:ea typeface="+mn-lt"/>
+              <a:cs typeface="+mn-lt"/>
+            </a:endParaRPr>
+          </a:p>
+          <a:p>
+            <a:pPr marL="457200" indent="-457200">
+              <a:buAutoNum type="arabicPeriod"/>
+            </a:pPr>
+            <a:endParaRPr lang="en-US" sz="1200" dirty="0"/>
+          </a:p>
+          <a:p>
+            <a:endParaRPr lang="en-US" sz="1200" dirty="0"/>
+          </a:p>
+        </p:txBody>
+      </p:sp>
+      <p:pic>
+        <p:nvPicPr>
+          <p:cNvPr id="4" name="Picture 4" descr="Shape&#10;&#10;Description automatically generated">
+            <a:extLst>
+              <a:ext uri="{FF2B5EF4-FFF2-40B4-BE49-F238E27FC236}">
+                <a16:creationId xmlns:a16="http://schemas.microsoft.com/office/drawing/2014/main" id="{EA0D54D7-4F59-43EA-925D-2532AE70B766}"/>
+              </a:ext>
+            </a:extLst>
+          </p:cNvPr>
+          <p:cNvPicPr>
+            <a:picLocks noChangeAspect="1"/>
+          </p:cNvPicPr>
+          <p:nvPr/>
+        </p:nvPicPr>
+        <p:blipFill>
+          <a:blip r:embed="rId2"/>
+          <a:stretch>
+            <a:fillRect/>
+          </a:stretch>
+        </p:blipFill>
+        <p:spPr>
+          <a:xfrm>
+            <a:off x="4522694" y="3692374"/>
+            <a:ext cx="3729317" cy="2498837"/>
+          </a:xfrm>
+          <a:prstGeom prst="rect">
+            <a:avLst/>
+          </a:prstGeom>
+        </p:spPr>
+      </p:pic>
+      <p:pic>
+        <p:nvPicPr>
+          <p:cNvPr id="5" name="Picture 5" descr="Shape&#10;&#10;Description automatically generated">
+            <a:extLst>
+              <a:ext uri="{FF2B5EF4-FFF2-40B4-BE49-F238E27FC236}">
+                <a16:creationId xmlns:a16="http://schemas.microsoft.com/office/drawing/2014/main" id="{0301C737-0348-46F8-8C10-F785D0FB31A2}"/>
+              </a:ext>
+            </a:extLst>
+          </p:cNvPr>
+          <p:cNvPicPr>
+            <a:picLocks noChangeAspect="1"/>
+          </p:cNvPicPr>
+          <p:nvPr/>
+        </p:nvPicPr>
+        <p:blipFill>
+          <a:blip r:embed="rId3"/>
+          <a:stretch>
+            <a:fillRect/>
+          </a:stretch>
+        </p:blipFill>
+        <p:spPr>
+          <a:xfrm>
+            <a:off x="8299076" y="3692375"/>
+            <a:ext cx="3942229" cy="2622102"/>
+          </a:xfrm>
+          <a:prstGeom prst="rect">
+            <a:avLst/>
+          </a:prstGeom>
+        </p:spPr>
+      </p:pic>
+      <p:pic>
+        <p:nvPicPr>
+          <p:cNvPr id="6" name="Picture 6" descr="Shape&#10;&#10;Description automatically generated">
+            <a:extLst>
+              <a:ext uri="{FF2B5EF4-FFF2-40B4-BE49-F238E27FC236}">
+                <a16:creationId xmlns:a16="http://schemas.microsoft.com/office/drawing/2014/main" id="{E83EBB3C-4D79-460C-8CF5-E4C24EABECA8}"/>
+              </a:ext>
+            </a:extLst>
+          </p:cNvPr>
+          <p:cNvPicPr>
+            <a:picLocks noChangeAspect="1"/>
+          </p:cNvPicPr>
+          <p:nvPr/>
+        </p:nvPicPr>
+        <p:blipFill>
+          <a:blip r:embed="rId4"/>
+          <a:stretch>
+            <a:fillRect/>
+          </a:stretch>
+        </p:blipFill>
+        <p:spPr>
+          <a:xfrm>
+            <a:off x="8299077" y="1070199"/>
+            <a:ext cx="3931023" cy="2577280"/>
+          </a:xfrm>
+          <a:prstGeom prst="rect">
+            <a:avLst/>
+          </a:prstGeom>
+        </p:spPr>
+      </p:pic>
+      <p:pic>
+        <p:nvPicPr>
+          <p:cNvPr id="7" name="Picture 7" descr="Shape&#10;&#10;Description automatically generated">
+            <a:extLst>
+              <a:ext uri="{FF2B5EF4-FFF2-40B4-BE49-F238E27FC236}">
+                <a16:creationId xmlns:a16="http://schemas.microsoft.com/office/drawing/2014/main" id="{1C5BA94A-2E55-43D2-9CE8-439DDF38A473}"/>
+              </a:ext>
+            </a:extLst>
+          </p:cNvPr>
+          <p:cNvPicPr>
+            <a:picLocks noChangeAspect="1"/>
+          </p:cNvPicPr>
+          <p:nvPr/>
+        </p:nvPicPr>
+        <p:blipFill>
+          <a:blip r:embed="rId5"/>
+          <a:stretch>
+            <a:fillRect/>
+          </a:stretch>
+        </p:blipFill>
+        <p:spPr>
+          <a:xfrm>
+            <a:off x="4522693" y="1002963"/>
+            <a:ext cx="3729319" cy="2487632"/>
+          </a:xfrm>
+          <a:prstGeom prst="rect">
+            <a:avLst/>
+          </a:prstGeom>
+        </p:spPr>
+      </p:pic>
+    </p:spTree>
+    <p:extLst>
+      <p:ext uri="{BB962C8B-B14F-4D97-AF65-F5344CB8AC3E}">
+        <p14:creationId xmlns:p14="http://schemas.microsoft.com/office/powerpoint/2010/main" val="2577634789"/>
+      </p:ext>
+    </p:extLst>
+  </p:cSld>
+  <p:clrMapOvr>
+    <a:masterClrMapping/>
+  </p:clrMapOvr>
+</p:sld>
+</file>
+
+<file path=ppt/slides/slide4.xml><?xml version="1.0" encoding="utf-8"?>
+<p:sld xmlns:a="http://schemas.openxmlformats.org/drawingml/2006/main" xmlns:r="http://schemas.openxmlformats.org/officeDocument/2006/relationships" xmlns:p="http://schemas.openxmlformats.org/presentationml/2006/main">
+  <p:cSld>
+    <p:spTree>
+      <p:nvGrpSpPr>
+        <p:cNvPr id="1" name=""/>
+        <p:cNvGrpSpPr/>
+        <p:nvPr/>
+      </p:nvGrpSpPr>
+      <p:grpSpPr>
+        <a:xfrm>
+          <a:off x="0" y="0"/>
+          <a:ext cx="0" cy="0"/>
+          <a:chOff x="0" y="0"/>
+          <a:chExt cx="0" cy="0"/>
+        </a:xfrm>
+      </p:grpSpPr>
+      <p:sp>
+        <p:nvSpPr>
+          <p:cNvPr id="2" name="Title 1">
+            <a:extLst>
+              <a:ext uri="{FF2B5EF4-FFF2-40B4-BE49-F238E27FC236}">
                 <a16:creationId xmlns:a16="http://schemas.microsoft.com/office/drawing/2014/main" id="{E65A5BCB-0187-4575-AE97-CF6A095B8100}"/>
               </a:ext>
             </a:extLst>
@@ -4543,338 +5274,6 @@
 </p:sld>
 </file>
 
-<file path=ppt/slides/slide3.xml><?xml version="1.0" encoding="utf-8"?>
-<p:sld xmlns:a="http://schemas.openxmlformats.org/drawingml/2006/main" xmlns:r="http://schemas.openxmlformats.org/officeDocument/2006/relationships" xmlns:p="http://schemas.openxmlformats.org/presentationml/2006/main">
-  <p:cSld>
-    <p:spTree>
-      <p:nvGrpSpPr>
-        <p:cNvPr id="1" name=""/>
-        <p:cNvGrpSpPr/>
-        <p:nvPr/>
-      </p:nvGrpSpPr>
-      <p:grpSpPr>
-        <a:xfrm>
-          <a:off x="0" y="0"/>
-          <a:ext cx="0" cy="0"/>
-          <a:chOff x="0" y="0"/>
-          <a:chExt cx="0" cy="0"/>
-        </a:xfrm>
-      </p:grpSpPr>
-      <p:sp>
-        <p:nvSpPr>
-          <p:cNvPr id="2" name="Title 1">
-            <a:extLst>
-              <a:ext uri="{FF2B5EF4-FFF2-40B4-BE49-F238E27FC236}">
-                <a16:creationId xmlns:a16="http://schemas.microsoft.com/office/drawing/2014/main" id="{3B02233C-3AB9-4B05-9F93-B85899FC8391}"/>
-              </a:ext>
-            </a:extLst>
-          </p:cNvPr>
-          <p:cNvSpPr>
-            <a:spLocks noGrp="1"/>
-          </p:cNvSpPr>
-          <p:nvPr>
-            <p:ph type="title"/>
-          </p:nvPr>
-        </p:nvSpPr>
-        <p:spPr/>
-        <p:txBody>
-          <a:bodyPr>
-            <a:normAutofit/>
-          </a:bodyPr>
-          <a:lstStyle/>
-          <a:p>
-            <a:r>
-              <a:rPr lang="en-US" sz="2800"/>
-              <a:t>From the last slide we conclude:</a:t>
-            </a:r>
-          </a:p>
-        </p:txBody>
-      </p:sp>
-      <p:sp>
-        <p:nvSpPr>
-          <p:cNvPr id="3" name="Content Placeholder 2">
-            <a:extLst>
-              <a:ext uri="{FF2B5EF4-FFF2-40B4-BE49-F238E27FC236}">
-                <a16:creationId xmlns:a16="http://schemas.microsoft.com/office/drawing/2014/main" id="{2B7D23BC-7D3B-4B92-A1F2-83D7D852F0CA}"/>
-              </a:ext>
-            </a:extLst>
-          </p:cNvPr>
-          <p:cNvSpPr>
-            <a:spLocks noGrp="1"/>
-          </p:cNvSpPr>
-          <p:nvPr>
-            <p:ph idx="1"/>
-          </p:nvPr>
-        </p:nvSpPr>
-        <p:spPr>
-          <a:xfrm>
-            <a:off x="1371600" y="2312790"/>
-            <a:ext cx="10241280" cy="3959352"/>
-          </a:xfrm>
-        </p:spPr>
-        <p:txBody>
-          <a:bodyPr vert="horz" lIns="0" tIns="0" rIns="0" bIns="0" rtlCol="0" anchor="t">
-            <a:normAutofit/>
-          </a:bodyPr>
-          <a:lstStyle/>
-          <a:p>
-            <a:r>
-              <a:rPr lang="en-US" sz="2400" dirty="0"/>
-              <a:t>There is a positive correlation between Dexa scans and the persistency. When the number of Dexa scans increases the patient tends to be more persistent to the drug.</a:t>
-            </a:r>
-            <a:endParaRPr lang="en-US" sz="2400"/>
-          </a:p>
-          <a:p>
-            <a:pPr marL="0" indent="0">
-              <a:buNone/>
-            </a:pPr>
-            <a:endParaRPr lang="en-US" sz="2400" dirty="0"/>
-          </a:p>
-          <a:p>
-            <a:r>
-              <a:rPr lang="en-US" sz="2400" dirty="0"/>
-              <a:t>Most of the not </a:t>
-            </a:r>
-            <a:r>
-              <a:rPr lang="en-US" sz="2400" dirty="0">
-                <a:ea typeface="+mn-lt"/>
-                <a:cs typeface="+mn-lt"/>
-              </a:rPr>
-              <a:t>persistent</a:t>
-            </a:r>
-            <a:r>
-              <a:rPr lang="en-US" sz="2400" dirty="0"/>
-              <a:t> patients have zero Dexa scans taken prior to the </a:t>
-            </a:r>
-            <a:r>
-              <a:rPr lang="en-US" sz="2400" dirty="0">
-                <a:ea typeface="+mn-lt"/>
-                <a:cs typeface="+mn-lt"/>
-              </a:rPr>
-              <a:t>first NTM Rx.</a:t>
-            </a:r>
-          </a:p>
-          <a:p>
-            <a:pPr marL="0" indent="0">
-              <a:buNone/>
-            </a:pPr>
-            <a:r>
-              <a:rPr lang="en-US" sz="2400"/>
-              <a:t>.</a:t>
-            </a:r>
-            <a:endParaRPr lang="en-US" sz="2400" dirty="0"/>
-          </a:p>
-          <a:p>
-            <a:endParaRPr lang="en-US" sz="2400" dirty="0"/>
-          </a:p>
-        </p:txBody>
-      </p:sp>
-    </p:spTree>
-    <p:extLst>
-      <p:ext uri="{BB962C8B-B14F-4D97-AF65-F5344CB8AC3E}">
-        <p14:creationId xmlns:p14="http://schemas.microsoft.com/office/powerpoint/2010/main" val="885545664"/>
-      </p:ext>
-    </p:extLst>
-  </p:cSld>
-  <p:clrMapOvr>
-    <a:masterClrMapping/>
-  </p:clrMapOvr>
-</p:sld>
-</file>
-
-<file path=ppt/slides/slide4.xml><?xml version="1.0" encoding="utf-8"?>
-<p:sld xmlns:a="http://schemas.openxmlformats.org/drawingml/2006/main" xmlns:r="http://schemas.openxmlformats.org/officeDocument/2006/relationships" xmlns:p="http://schemas.openxmlformats.org/presentationml/2006/main">
-  <p:cSld>
-    <p:spTree>
-      <p:nvGrpSpPr>
-        <p:cNvPr id="1" name=""/>
-        <p:cNvGrpSpPr/>
-        <p:nvPr/>
-      </p:nvGrpSpPr>
-      <p:grpSpPr>
-        <a:xfrm>
-          <a:off x="0" y="0"/>
-          <a:ext cx="0" cy="0"/>
-          <a:chOff x="0" y="0"/>
-          <a:chExt cx="0" cy="0"/>
-        </a:xfrm>
-      </p:grpSpPr>
-      <p:sp>
-        <p:nvSpPr>
-          <p:cNvPr id="2" name="Title 1">
-            <a:extLst>
-              <a:ext uri="{FF2B5EF4-FFF2-40B4-BE49-F238E27FC236}">
-                <a16:creationId xmlns:a16="http://schemas.microsoft.com/office/drawing/2014/main" id="{BFF0FA6F-E02B-4739-9F7E-73210C65776A}"/>
-              </a:ext>
-            </a:extLst>
-          </p:cNvPr>
-          <p:cNvSpPr>
-            <a:spLocks noGrp="1"/>
-          </p:cNvSpPr>
-          <p:nvPr>
-            <p:ph type="title"/>
-          </p:nvPr>
-        </p:nvSpPr>
-        <p:spPr/>
-        <p:txBody>
-          <a:bodyPr/>
-          <a:lstStyle/>
-          <a:p>
-            <a:r>
-              <a:rPr lang="en-US"/>
-              <a:t>Our sample :</a:t>
-            </a:r>
-          </a:p>
-        </p:txBody>
-      </p:sp>
-      <p:pic>
-        <p:nvPicPr>
-          <p:cNvPr id="4" name="Picture 4" descr="Chart, bar chart&#10;&#10;Description automatically generated">
-            <a:extLst>
-              <a:ext uri="{FF2B5EF4-FFF2-40B4-BE49-F238E27FC236}">
-                <a16:creationId xmlns:a16="http://schemas.microsoft.com/office/drawing/2014/main" id="{A98963EE-F709-4B9A-8C33-7B4110D2A07C}"/>
-              </a:ext>
-            </a:extLst>
-          </p:cNvPr>
-          <p:cNvPicPr>
-            <a:picLocks noGrp="1" noChangeAspect="1"/>
-          </p:cNvPicPr>
-          <p:nvPr>
-            <p:ph idx="1"/>
-          </p:nvPr>
-        </p:nvPicPr>
-        <p:blipFill>
-          <a:blip r:embed="rId2"/>
-          <a:stretch>
-            <a:fillRect/>
-          </a:stretch>
-        </p:blipFill>
-        <p:spPr>
-          <a:xfrm>
-            <a:off x="7594900" y="2023335"/>
-            <a:ext cx="3957917" cy="3957917"/>
-          </a:xfrm>
-        </p:spPr>
-      </p:pic>
-      <p:sp>
-        <p:nvSpPr>
-          <p:cNvPr id="5" name="TextBox 4">
-            <a:extLst>
-              <a:ext uri="{FF2B5EF4-FFF2-40B4-BE49-F238E27FC236}">
-                <a16:creationId xmlns:a16="http://schemas.microsoft.com/office/drawing/2014/main" id="{37B0D670-F77A-48FB-A4E0-9A81F28E4058}"/>
-              </a:ext>
-            </a:extLst>
-          </p:cNvPr>
-          <p:cNvSpPr txBox="1"/>
-          <p:nvPr/>
-        </p:nvSpPr>
-        <p:spPr>
-          <a:xfrm>
-            <a:off x="903195" y="2281518"/>
-            <a:ext cx="6698876" cy="3539430"/>
-          </a:xfrm>
-          <a:prstGeom prst="rect">
-            <a:avLst/>
-          </a:prstGeom>
-          <a:noFill/>
-        </p:spPr>
-        <p:txBody>
-          <a:bodyPr rot="0" spcFirstLastPara="0" vertOverflow="overflow" horzOverflow="overflow" vert="horz" wrap="square" lIns="91440" tIns="45720" rIns="91440" bIns="45720" numCol="1" spcCol="0" rtlCol="0" fromWordArt="0" anchor="t" anchorCtr="0" forceAA="0" compatLnSpc="1">
-            <a:prstTxWarp prst="textNoShape">
-              <a:avLst/>
-            </a:prstTxWarp>
-            <a:spAutoFit/>
-          </a:bodyPr>
-          <a:lstStyle/>
-          <a:p>
-            <a:r>
-              <a:rPr lang="en-US" sz="2400"/>
-              <a:t>Most of the patients in our dataset are un-persistent.</a:t>
-            </a:r>
-          </a:p>
-          <a:p>
-            <a:r>
-              <a:rPr lang="en-US" sz="2400"/>
-              <a:t>We have:</a:t>
-            </a:r>
-          </a:p>
-          <a:p>
-            <a:pPr marL="285750" indent="-285750">
-              <a:buFont typeface="Arial"/>
-              <a:buChar char="•"/>
-            </a:pPr>
-            <a:r>
-              <a:rPr lang="en-US" sz="2400">
-                <a:ea typeface="+mn-lt"/>
-                <a:cs typeface="+mn-lt"/>
-              </a:rPr>
-              <a:t>2135 un-persistent patients</a:t>
-            </a:r>
-          </a:p>
-          <a:p>
-            <a:pPr marL="285750" indent="-285750">
-              <a:buFont typeface="Arial"/>
-              <a:buChar char="•"/>
-            </a:pPr>
-            <a:r>
-              <a:rPr lang="en-US" sz="2400">
-                <a:ea typeface="+mn-lt"/>
-                <a:cs typeface="+mn-lt"/>
-              </a:rPr>
-              <a:t>1289 persistent patients</a:t>
-            </a:r>
-          </a:p>
-          <a:p>
-            <a:pPr marL="285750" indent="-285750">
-              <a:buFont typeface="Arial"/>
-              <a:buChar char="•"/>
-            </a:pPr>
-            <a:endParaRPr lang="en-US" sz="2400" dirty="0"/>
-          </a:p>
-          <a:p>
-            <a:r>
-              <a:rPr lang="en-US" sz="2000" dirty="0">
-                <a:solidFill>
-                  <a:schemeClr val="bg1">
-                    <a:lumMod val="50000"/>
-                  </a:schemeClr>
-                </a:solidFill>
-              </a:rPr>
-              <a:t>That will lead us to a point in our analysis that is normal to found unpersistent patients having a specific feature more than the persistent one so we will look to the features that exists in </a:t>
-            </a:r>
-            <a:r>
-              <a:rPr lang="en-US" sz="2000">
-                <a:solidFill>
-                  <a:schemeClr val="bg1">
-                    <a:lumMod val="50000"/>
-                  </a:schemeClr>
-                </a:solidFill>
-              </a:rPr>
-              <a:t>the persistent patients more than the not persistent</a:t>
-            </a:r>
-            <a:endParaRPr lang="en-US" sz="2000" dirty="0">
-              <a:solidFill>
-                <a:schemeClr val="bg1">
-                  <a:lumMod val="50000"/>
-                </a:schemeClr>
-              </a:solidFill>
-            </a:endParaRPr>
-          </a:p>
-        </p:txBody>
-      </p:sp>
-    </p:spTree>
-    <p:extLst>
-      <p:ext uri="{BB962C8B-B14F-4D97-AF65-F5344CB8AC3E}">
-        <p14:creationId xmlns:p14="http://schemas.microsoft.com/office/powerpoint/2010/main" val="407191293"/>
-      </p:ext>
-    </p:extLst>
-  </p:cSld>
-  <p:clrMapOvr>
-    <a:masterClrMapping/>
-  </p:clrMapOvr>
-</p:sld>
-</file>
-
 <file path=ppt/slides/slide5.xml><?xml version="1.0" encoding="utf-8"?>
 <p:sld xmlns:a="http://schemas.openxmlformats.org/drawingml/2006/main" xmlns:r="http://schemas.openxmlformats.org/officeDocument/2006/relationships" xmlns:p="http://schemas.openxmlformats.org/presentationml/2006/main">
   <p:cSld>
@@ -4897,7 +5296,7 @@
           <p:cNvPr id="2" name="Title 1">
             <a:extLst>
               <a:ext uri="{FF2B5EF4-FFF2-40B4-BE49-F238E27FC236}">
-                <a16:creationId xmlns:a16="http://schemas.microsoft.com/office/drawing/2014/main" id="{4E0EC49C-442E-4A23-9306-D28CE4E73D62}"/>
+                <a16:creationId xmlns:a16="http://schemas.microsoft.com/office/drawing/2014/main" id="{3B02233C-3AB9-4B05-9F93-B85899FC8391}"/>
               </a:ext>
             </a:extLst>
           </p:cNvPr>
@@ -4908,12 +5307,7 @@
             <p:ph type="title"/>
           </p:nvPr>
         </p:nvSpPr>
-        <p:spPr>
-          <a:xfrm>
-            <a:off x="810126" y="-678340"/>
-            <a:ext cx="10241280" cy="1234440"/>
-          </a:xfrm>
-        </p:spPr>
+        <p:spPr/>
         <p:txBody>
           <a:bodyPr>
             <a:normAutofit/>
@@ -4921,8 +5315,8 @@
           <a:lstStyle/>
           <a:p>
             <a:r>
-              <a:rPr lang="en-US" sz="2800" dirty="0"/>
-              <a:t>Our sample:</a:t>
+              <a:rPr lang="en-US" sz="2800"/>
+              <a:t>From the last slide we conclude:</a:t>
             </a:r>
           </a:p>
         </p:txBody>
@@ -4932,7 +5326,7 @@
           <p:cNvPr id="3" name="Content Placeholder 2">
             <a:extLst>
               <a:ext uri="{FF2B5EF4-FFF2-40B4-BE49-F238E27FC236}">
-                <a16:creationId xmlns:a16="http://schemas.microsoft.com/office/drawing/2014/main" id="{BB462A35-B358-4E2C-800E-0673268C9F22}"/>
+                <a16:creationId xmlns:a16="http://schemas.microsoft.com/office/drawing/2014/main" id="{2B7D23BC-7D3B-4B92-A1F2-83D7D852F0CA}"/>
               </a:ext>
             </a:extLst>
           </p:cNvPr>
@@ -4945,464 +5339,71 @@
         </p:nvSpPr>
         <p:spPr>
           <a:xfrm>
-            <a:off x="589547" y="498027"/>
-            <a:ext cx="10953148" cy="9874877"/>
+            <a:off x="1371600" y="2312790"/>
+            <a:ext cx="10241280" cy="3959352"/>
           </a:xfrm>
         </p:spPr>
         <p:txBody>
           <a:bodyPr vert="horz" lIns="0" tIns="0" rIns="0" bIns="0" rtlCol="0" anchor="t">
-            <a:noAutofit/>
+            <a:normAutofit/>
           </a:bodyPr>
           <a:lstStyle/>
           <a:p>
             <a:r>
-              <a:rPr lang="en-US" sz="1200" dirty="0"/>
-              <a:t>Some features are very skewed to one value and the other value </a:t>
-            </a:r>
-            <a:r>
-              <a:rPr lang="en-US" sz="1200" dirty="0" err="1"/>
-              <a:t>approximatley</a:t>
-            </a:r>
-            <a:r>
-              <a:rPr lang="en-US" sz="1200" dirty="0"/>
-              <a:t> doesn't exist</a:t>
-            </a:r>
-          </a:p>
-          <a:p>
-            <a:pPr marL="457200" indent="-457200">
-              <a:buAutoNum type="arabicPeriod"/>
+              <a:rPr lang="en-US" sz="2400" dirty="0"/>
+              <a:t>There is a positive correlation between Dexa scans and the persistency. When the number of Dexa scans increases the patient tends to be more persistent to the drug.</a:t>
+            </a:r>
+            <a:endParaRPr lang="en-US" sz="2400"/>
+          </a:p>
+          <a:p>
+            <a:pPr marL="0" indent="0">
+              <a:buNone/>
             </a:pPr>
-            <a:r>
-              <a:rPr lang="en-US" sz="1200" dirty="0" err="1">
+            <a:endParaRPr lang="en-US" sz="2400" dirty="0"/>
+          </a:p>
+          <a:p>
+            <a:r>
+              <a:rPr lang="en-US" sz="2400" dirty="0"/>
+              <a:t>Most of the not </a:t>
+            </a:r>
+            <a:r>
+              <a:rPr lang="en-US" sz="2400" dirty="0">
                 <a:ea typeface="+mn-lt"/>
                 <a:cs typeface="+mn-lt"/>
               </a:rPr>
-              <a:t>Risk_Untreated_Early_Menopause</a:t>
-            </a:r>
-            <a:r>
-              <a:rPr lang="en-US" sz="1200" dirty="0">
+              <a:t>persistent</a:t>
+            </a:r>
+            <a:r>
+              <a:rPr lang="en-US" sz="2400" dirty="0"/>
+              <a:t> patients have zero Dexa scans taken prior to the </a:t>
+            </a:r>
+            <a:r>
+              <a:rPr lang="en-US" sz="2400" dirty="0">
                 <a:ea typeface="+mn-lt"/>
                 <a:cs typeface="+mn-lt"/>
               </a:rPr>
-              <a:t> :</a:t>
-            </a:r>
-          </a:p>
-          <a:p>
-            <a:pPr lvl="1">
-              <a:buFont typeface="Arial"/>
-              <a:buChar char="•"/>
+              <a:t>first NTM Rx.</a:t>
+            </a:r>
+          </a:p>
+          <a:p>
+            <a:pPr marL="0" indent="0">
+              <a:buNone/>
             </a:pPr>
             <a:r>
-              <a:rPr lang="en-US" sz="1200" dirty="0">
-                <a:ea typeface="+mn-lt"/>
-                <a:cs typeface="+mn-lt"/>
-              </a:rPr>
-              <a:t>3412 have No Risk</a:t>
-            </a:r>
-            <a:endParaRPr lang="en-US"/>
-          </a:p>
-          <a:p>
-            <a:pPr lvl="1">
-              <a:buFont typeface="Arial"/>
-              <a:buChar char="•"/>
-            </a:pPr>
-            <a:r>
-              <a:rPr lang="en-US" sz="1200" dirty="0">
-                <a:ea typeface="+mn-lt"/>
-                <a:cs typeface="+mn-lt"/>
-              </a:rPr>
-              <a:t>12 have Risk</a:t>
-            </a:r>
-          </a:p>
-          <a:p>
-            <a:pPr marL="457200" indent="-457200">
-              <a:buAutoNum type="arabicPeriod"/>
-            </a:pPr>
-            <a:r>
-              <a:rPr lang="en-US" sz="1200" dirty="0" err="1">
-                <a:ea typeface="+mn-lt"/>
-                <a:cs typeface="+mn-lt"/>
-              </a:rPr>
-              <a:t>Risk_Chronic_Liver_Disease</a:t>
-            </a:r>
-            <a:r>
-              <a:rPr lang="en-US" sz="1200" dirty="0">
-                <a:ea typeface="+mn-lt"/>
-                <a:cs typeface="+mn-lt"/>
-              </a:rPr>
-              <a:t>:</a:t>
-            </a:r>
-          </a:p>
-          <a:p>
-            <a:pPr marL="914400" lvl="1">
-              <a:buFont typeface="Arial"/>
-            </a:pPr>
-            <a:r>
-              <a:rPr lang="en-US" sz="1200" dirty="0">
-                <a:ea typeface="+mn-lt"/>
-                <a:cs typeface="+mn-lt"/>
-              </a:rPr>
-              <a:t>3406 have No Risk</a:t>
-            </a:r>
-          </a:p>
-          <a:p>
-            <a:pPr marL="914400" lvl="1"/>
-            <a:r>
-              <a:rPr lang="en-US" sz="1200" dirty="0">
-                <a:ea typeface="+mn-lt"/>
-                <a:cs typeface="+mn-lt"/>
-              </a:rPr>
-              <a:t>18 have Risk</a:t>
-            </a:r>
-          </a:p>
-          <a:p>
-            <a:pPr marL="457200" indent="-457200">
-              <a:buAutoNum type="arabicPeriod"/>
-            </a:pPr>
-            <a:r>
-              <a:rPr lang="en-US" sz="1200" dirty="0" err="1">
-                <a:ea typeface="+mn-lt"/>
-                <a:cs typeface="+mn-lt"/>
-              </a:rPr>
-              <a:t>Risk_Estrogen_Deficiency</a:t>
-            </a:r>
-            <a:r>
-              <a:rPr lang="en-US" sz="1200" dirty="0">
-                <a:ea typeface="+mn-lt"/>
-                <a:cs typeface="+mn-lt"/>
-              </a:rPr>
-              <a:t>:</a:t>
-            </a:r>
-          </a:p>
-          <a:p>
-            <a:pPr marL="914400" lvl="1" indent="-342900">
-              <a:buFont typeface="Arial"/>
-            </a:pPr>
-            <a:r>
-              <a:rPr lang="en-US" sz="1200" dirty="0">
-                <a:ea typeface="+mn-lt"/>
-                <a:cs typeface="+mn-lt"/>
-              </a:rPr>
-              <a:t>3413 have No Risk</a:t>
-            </a:r>
-          </a:p>
-          <a:p>
-            <a:pPr marL="914400" lvl="1" indent="-342900"/>
-            <a:r>
-              <a:rPr lang="en-US" sz="1200" dirty="0">
-                <a:ea typeface="+mn-lt"/>
-                <a:cs typeface="+mn-lt"/>
-              </a:rPr>
-              <a:t>11 have Risk</a:t>
-            </a:r>
-          </a:p>
-          <a:p>
-            <a:pPr marL="457200" indent="-457200">
-              <a:buAutoNum type="arabicPeriod"/>
-            </a:pPr>
-            <a:r>
-              <a:rPr lang="en-US" sz="1200" dirty="0" err="1">
-                <a:ea typeface="+mn-lt"/>
-                <a:cs typeface="+mn-lt"/>
-              </a:rPr>
-              <a:t>Risk_Immobilization</a:t>
-            </a:r>
-            <a:r>
-              <a:rPr lang="en-US" sz="1200" dirty="0">
-                <a:ea typeface="+mn-lt"/>
-                <a:cs typeface="+mn-lt"/>
-              </a:rPr>
-              <a:t>:</a:t>
-            </a:r>
-          </a:p>
-          <a:p>
-            <a:pPr marL="914400" lvl="1" indent="-342900">
-              <a:buFont typeface="Arial,Sans-Serif"/>
-              <a:buChar char="•"/>
-            </a:pPr>
-            <a:r>
-              <a:rPr lang="en-US" sz="1200" dirty="0">
-                <a:ea typeface="+mn-lt"/>
-                <a:cs typeface="+mn-lt"/>
-              </a:rPr>
-              <a:t>3410 have No Risk</a:t>
-            </a:r>
-            <a:endParaRPr lang="en-US" sz="1200">
-              <a:ea typeface="+mn-lt"/>
-              <a:cs typeface="+mn-lt"/>
-            </a:endParaRPr>
-          </a:p>
-          <a:p>
-            <a:pPr marL="914400" lvl="1" indent="-342900">
-              <a:buFont typeface="Arial,Sans-Serif" panose="020B0604020202020204" pitchFamily="34" charset="0"/>
-              <a:buChar char="•"/>
-            </a:pPr>
-            <a:r>
-              <a:rPr lang="en-US" sz="1200" dirty="0">
-                <a:ea typeface="+mn-lt"/>
-                <a:cs typeface="+mn-lt"/>
-              </a:rPr>
-              <a:t>14 have Risk</a:t>
-            </a:r>
-            <a:endParaRPr lang="en-US" sz="1200">
-              <a:ea typeface="+mn-lt"/>
-              <a:cs typeface="+mn-lt"/>
-            </a:endParaRPr>
-          </a:p>
-          <a:p>
-            <a:pPr marL="457200" indent="-457200">
-              <a:buAutoNum type="arabicPeriod"/>
-            </a:pPr>
-            <a:r>
-              <a:rPr lang="en-US" sz="1200" dirty="0" err="1">
-                <a:ea typeface="+mn-lt"/>
-                <a:cs typeface="+mn-lt"/>
-              </a:rPr>
-              <a:t>Risk_Untreated_Chronic_Hyperthyroidism</a:t>
-            </a:r>
-            <a:r>
-              <a:rPr lang="en-US" sz="1200" dirty="0">
-                <a:ea typeface="+mn-lt"/>
-                <a:cs typeface="+mn-lt"/>
-              </a:rPr>
-              <a:t>:</a:t>
-            </a:r>
-          </a:p>
-          <a:p>
-            <a:pPr marL="914400" lvl="1" indent="-342900">
-              <a:buFont typeface="Arial,Sans-Serif"/>
-              <a:buChar char="•"/>
-            </a:pPr>
-            <a:r>
-              <a:rPr lang="en-US" sz="1200" dirty="0">
-                <a:ea typeface="+mn-lt"/>
-                <a:cs typeface="+mn-lt"/>
-              </a:rPr>
-              <a:t>3422 Have No Risk</a:t>
-            </a:r>
-            <a:endParaRPr lang="en-US" sz="1200">
-              <a:ea typeface="+mn-lt"/>
-              <a:cs typeface="+mn-lt"/>
-            </a:endParaRPr>
-          </a:p>
-          <a:p>
-            <a:pPr marL="914400" lvl="1" indent="-342900">
-              <a:buFont typeface="Arial,Sans-Serif" panose="020B0604020202020204" pitchFamily="34" charset="0"/>
-              <a:buChar char="•"/>
-            </a:pPr>
-            <a:r>
-              <a:rPr lang="en-US" sz="1200" dirty="0">
-                <a:ea typeface="+mn-lt"/>
-                <a:cs typeface="+mn-lt"/>
-              </a:rPr>
-              <a:t>2 have Risk</a:t>
-            </a:r>
-            <a:endParaRPr lang="en-US" sz="1200">
-              <a:ea typeface="+mn-lt"/>
-              <a:cs typeface="+mn-lt"/>
-            </a:endParaRPr>
-          </a:p>
-          <a:p>
-            <a:pPr marL="457200" indent="-457200">
-              <a:buAutoNum type="arabicPeriod"/>
-            </a:pPr>
-            <a:r>
-              <a:rPr lang="en-US" sz="1200" dirty="0" err="1">
-                <a:ea typeface="+mn-lt"/>
-                <a:cs typeface="+mn-lt"/>
-              </a:rPr>
-              <a:t>Risk_Osteogenesis_Imperfecta</a:t>
-            </a:r>
-            <a:r>
-              <a:rPr lang="en-US" sz="1200" dirty="0">
-                <a:ea typeface="+mn-lt"/>
-                <a:cs typeface="+mn-lt"/>
-              </a:rPr>
-              <a:t>:</a:t>
-            </a:r>
-          </a:p>
-          <a:p>
-            <a:pPr marL="914400" lvl="1" indent="-342900">
-              <a:buFont typeface="Arial"/>
-            </a:pPr>
-            <a:r>
-              <a:rPr lang="en-US" sz="1200" dirty="0">
-                <a:ea typeface="+mn-lt"/>
-                <a:cs typeface="+mn-lt"/>
-              </a:rPr>
-              <a:t>3421 Have No Risk</a:t>
-            </a:r>
-          </a:p>
-          <a:p>
-            <a:pPr marL="914400" lvl="1" indent="-342900"/>
-            <a:r>
-              <a:rPr lang="en-US" sz="1200" dirty="0">
-                <a:ea typeface="+mn-lt"/>
-                <a:cs typeface="+mn-lt"/>
-              </a:rPr>
-              <a:t>3 Have Risk</a:t>
-            </a:r>
-          </a:p>
-          <a:p>
-            <a:pPr marL="457200" indent="-457200">
-              <a:buAutoNum type="arabicPeriod"/>
-            </a:pPr>
-            <a:endParaRPr lang="en-US" sz="1200" dirty="0">
-              <a:ea typeface="+mn-lt"/>
-              <a:cs typeface="+mn-lt"/>
-            </a:endParaRPr>
-          </a:p>
-          <a:p>
-            <a:pPr marL="457200" indent="-457200">
-              <a:buAutoNum type="arabicPeriod"/>
-            </a:pPr>
-            <a:endParaRPr lang="en-US" sz="1200" dirty="0">
-              <a:ea typeface="+mn-lt"/>
-              <a:cs typeface="+mn-lt"/>
-            </a:endParaRPr>
-          </a:p>
-          <a:p>
-            <a:pPr marL="914400" lvl="1" indent="-342900"/>
-            <a:endParaRPr lang="en-US" sz="1200" dirty="0">
-              <a:ea typeface="+mn-lt"/>
-              <a:cs typeface="+mn-lt"/>
-            </a:endParaRPr>
-          </a:p>
-          <a:p>
-            <a:pPr marL="457200" indent="-457200">
-              <a:buAutoNum type="arabicPeriod"/>
-            </a:pPr>
-            <a:endParaRPr lang="en-US" sz="1200" dirty="0"/>
-          </a:p>
-          <a:p>
-            <a:endParaRPr lang="en-US" sz="1200" dirty="0"/>
-          </a:p>
-        </p:txBody>
-      </p:sp>
-      <p:pic>
-        <p:nvPicPr>
-          <p:cNvPr id="4" name="Picture 4" descr="Shape&#10;&#10;Description automatically generated">
-            <a:extLst>
-              <a:ext uri="{FF2B5EF4-FFF2-40B4-BE49-F238E27FC236}">
-                <a16:creationId xmlns:a16="http://schemas.microsoft.com/office/drawing/2014/main" id="{EA0D54D7-4F59-43EA-925D-2532AE70B766}"/>
-              </a:ext>
-            </a:extLst>
-          </p:cNvPr>
-          <p:cNvPicPr>
-            <a:picLocks noChangeAspect="1"/>
-          </p:cNvPicPr>
-          <p:nvPr/>
-        </p:nvPicPr>
-        <p:blipFill>
-          <a:blip r:embed="rId2"/>
-          <a:stretch>
-            <a:fillRect/>
-          </a:stretch>
-        </p:blipFill>
-        <p:spPr>
-          <a:xfrm>
-            <a:off x="4522694" y="3692374"/>
-            <a:ext cx="3729317" cy="2498837"/>
-          </a:xfrm>
-          <a:prstGeom prst="rect">
-            <a:avLst/>
-          </a:prstGeom>
-        </p:spPr>
-      </p:pic>
-      <p:pic>
-        <p:nvPicPr>
-          <p:cNvPr id="5" name="Picture 5" descr="Shape&#10;&#10;Description automatically generated">
-            <a:extLst>
-              <a:ext uri="{FF2B5EF4-FFF2-40B4-BE49-F238E27FC236}">
-                <a16:creationId xmlns:a16="http://schemas.microsoft.com/office/drawing/2014/main" id="{0301C737-0348-46F8-8C10-F785D0FB31A2}"/>
-              </a:ext>
-            </a:extLst>
-          </p:cNvPr>
-          <p:cNvPicPr>
-            <a:picLocks noChangeAspect="1"/>
-          </p:cNvPicPr>
-          <p:nvPr/>
-        </p:nvPicPr>
-        <p:blipFill>
-          <a:blip r:embed="rId3"/>
-          <a:stretch>
-            <a:fillRect/>
-          </a:stretch>
-        </p:blipFill>
-        <p:spPr>
-          <a:xfrm>
-            <a:off x="8299076" y="3692375"/>
-            <a:ext cx="3942229" cy="2622102"/>
-          </a:xfrm>
-          <a:prstGeom prst="rect">
-            <a:avLst/>
-          </a:prstGeom>
-        </p:spPr>
-      </p:pic>
-      <p:pic>
-        <p:nvPicPr>
-          <p:cNvPr id="6" name="Picture 6" descr="Shape&#10;&#10;Description automatically generated">
-            <a:extLst>
-              <a:ext uri="{FF2B5EF4-FFF2-40B4-BE49-F238E27FC236}">
-                <a16:creationId xmlns:a16="http://schemas.microsoft.com/office/drawing/2014/main" id="{E83EBB3C-4D79-460C-8CF5-E4C24EABECA8}"/>
-              </a:ext>
-            </a:extLst>
-          </p:cNvPr>
-          <p:cNvPicPr>
-            <a:picLocks noChangeAspect="1"/>
-          </p:cNvPicPr>
-          <p:nvPr/>
-        </p:nvPicPr>
-        <p:blipFill>
-          <a:blip r:embed="rId4"/>
-          <a:stretch>
-            <a:fillRect/>
-          </a:stretch>
-        </p:blipFill>
-        <p:spPr>
-          <a:xfrm>
-            <a:off x="8299077" y="1070199"/>
-            <a:ext cx="3931023" cy="2577280"/>
-          </a:xfrm>
-          <a:prstGeom prst="rect">
-            <a:avLst/>
-          </a:prstGeom>
-        </p:spPr>
-      </p:pic>
-      <p:pic>
-        <p:nvPicPr>
-          <p:cNvPr id="7" name="Picture 7" descr="Shape&#10;&#10;Description automatically generated">
-            <a:extLst>
-              <a:ext uri="{FF2B5EF4-FFF2-40B4-BE49-F238E27FC236}">
-                <a16:creationId xmlns:a16="http://schemas.microsoft.com/office/drawing/2014/main" id="{1C5BA94A-2E55-43D2-9CE8-439DDF38A473}"/>
-              </a:ext>
-            </a:extLst>
-          </p:cNvPr>
-          <p:cNvPicPr>
-            <a:picLocks noChangeAspect="1"/>
-          </p:cNvPicPr>
-          <p:nvPr/>
-        </p:nvPicPr>
-        <p:blipFill>
-          <a:blip r:embed="rId5"/>
-          <a:stretch>
-            <a:fillRect/>
-          </a:stretch>
-        </p:blipFill>
-        <p:spPr>
-          <a:xfrm>
-            <a:off x="4522693" y="1002963"/>
-            <a:ext cx="3729319" cy="2487632"/>
-          </a:xfrm>
-          <a:prstGeom prst="rect">
-            <a:avLst/>
-          </a:prstGeom>
-        </p:spPr>
-      </p:pic>
+              <a:rPr lang="en-US" sz="2400"/>
+              <a:t>.</a:t>
+            </a:r>
+            <a:endParaRPr lang="en-US" sz="2400" dirty="0"/>
+          </a:p>
+          <a:p>
+            <a:endParaRPr lang="en-US" sz="2400" dirty="0"/>
+          </a:p>
+        </p:txBody>
+      </p:sp>
     </p:spTree>
     <p:extLst>
       <p:ext uri="{BB962C8B-B14F-4D97-AF65-F5344CB8AC3E}">
-        <p14:creationId xmlns:p14="http://schemas.microsoft.com/office/powerpoint/2010/main" val="2577634789"/>
+        <p14:creationId xmlns:p14="http://schemas.microsoft.com/office/powerpoint/2010/main" val="885545664"/>
       </p:ext>
     </p:extLst>
   </p:cSld>
@@ -5604,68 +5605,80 @@
           <a:lstStyle/>
           <a:p>
             <a:r>
-              <a:rPr lang="en-US"/>
+              <a:rPr lang="en-US" dirty="0"/>
               <a:t>If the HCP who </a:t>
             </a:r>
             <a:r>
-              <a:rPr lang="en-US">
+              <a:rPr lang="en-US" dirty="0">
                 <a:ea typeface="+mn-lt"/>
                 <a:cs typeface="+mn-lt"/>
               </a:rPr>
-              <a:t>prescribed the NTM RX is a specialist is tends to be more persistent.</a:t>
-            </a:r>
-          </a:p>
-          <a:p>
-            <a:r>
-              <a:rPr lang="en-US"/>
-              <a:t>Non specialists have a large</a:t>
-            </a:r>
+              <a:t>prescribed the NTM RX is a specialist the patient tends to be more persistent.</a:t>
+            </a:r>
+          </a:p>
+          <a:p>
             <a:r>
               <a:rPr lang="en-US" dirty="0"/>
-              <a:t> </a:t>
-            </a:r>
-            <a:r>
-              <a:rPr lang="en-US"/>
-              <a:t>probability</a:t>
+              <a:t>Non specialists have a large probability to have a </a:t>
+            </a:r>
+            <a:r>
+              <a:rPr lang="en-US" dirty="0" err="1"/>
+              <a:t>non persistent</a:t>
             </a:r>
             <a:r>
               <a:rPr lang="en-US" dirty="0"/>
-              <a:t> </a:t>
-            </a:r>
-            <a:r>
-              <a:rPr lang="en-US"/>
-              <a:t>to</a:t>
+              <a:t> patients . Patients have to take The </a:t>
+            </a:r>
+            <a:r>
+              <a:rPr lang="en-US" dirty="0" err="1"/>
+              <a:t>Ntm</a:t>
             </a:r>
             <a:r>
               <a:rPr lang="en-US" dirty="0"/>
-              <a:t> </a:t>
-            </a:r>
-            <a:r>
-              <a:rPr lang="en-US"/>
-              <a:t>have a non persistent patients . Patients have to take The Ntm Rx from specialsts only</a:t>
-            </a:r>
-            <a:endParaRPr lang="en-US" dirty="0"/>
-          </a:p>
-          <a:p>
-            <a:r>
-              <a:rPr lang="en-US"/>
+              <a:t> Rx from </a:t>
+            </a:r>
+            <a:r>
+              <a:rPr lang="en-US" dirty="0" err="1"/>
+              <a:t>specialsts</a:t>
+            </a:r>
+            <a:r>
+              <a:rPr lang="en-US" dirty="0"/>
+              <a:t> only</a:t>
+            </a:r>
+          </a:p>
+          <a:p>
+            <a:r>
+              <a:rPr lang="en-US" dirty="0"/>
               <a:t>The oncologists have more persistent patients than the other specialists</a:t>
             </a:r>
-            <a:endParaRPr lang="en-US" dirty="0"/>
-          </a:p>
-          <a:p>
-            <a:r>
-              <a:rPr lang="en-US"/>
-              <a:t>Oncologists do more dexa scans to their patients and other scans as well also they do more follow ups so that make sense the have more persistent patients.</a:t>
-            </a:r>
-            <a:endParaRPr lang="en-US" dirty="0"/>
-          </a:p>
-          <a:p>
-            <a:r>
-              <a:rPr lang="en-US"/>
-              <a:t>General practitioners have high percentage of unpersistent patients than the other specialists.</a:t>
-            </a:r>
-            <a:endParaRPr lang="en-US" dirty="0"/>
+          </a:p>
+          <a:p>
+            <a:r>
+              <a:rPr lang="en-US" dirty="0"/>
+              <a:t>Oncologists do more </a:t>
+            </a:r>
+            <a:r>
+              <a:rPr lang="en-US" dirty="0" err="1"/>
+              <a:t>dexa</a:t>
+            </a:r>
+            <a:r>
+              <a:rPr lang="en-US" dirty="0"/>
+              <a:t> scans to their patients and other scans as well also they do more follow ups so that make sense the have more persistent patients.</a:t>
+            </a:r>
+          </a:p>
+          <a:p>
+            <a:r>
+              <a:rPr lang="en-US" dirty="0"/>
+              <a:t>General practitioners have high percentage of </a:t>
+            </a:r>
+            <a:r>
+              <a:rPr lang="en-US" dirty="0" err="1"/>
+              <a:t>unpersistent</a:t>
+            </a:r>
+            <a:r>
+              <a:rPr lang="en-US" dirty="0"/>
+              <a:t> patients than the other specialists.</a:t>
+            </a:r>
           </a:p>
         </p:txBody>
       </p:sp>
@@ -5804,13 +5817,8 @@
             </a:pPr>
             <a:r>
               <a:rPr lang="en-US" sz="2000" dirty="0"/>
-              <a:t>From this plot it appears that a large persentage of the patients who hadn't Glucocorticoid during the </a:t>
-            </a:r>
-            <a:r>
-              <a:rPr lang="en-US" sz="2000"/>
-              <a:t>first continuous therapy are un persistent .</a:t>
-            </a:r>
-            <a:endParaRPr lang="en-US" sz="2000" dirty="0"/>
+              <a:t>From this plot it appears that a large percentage of the patients who hadn't Glucocorticoid during the first continuous therapy are un persistent .</a:t>
+            </a:r>
           </a:p>
           <a:p>
             <a:endParaRPr lang="en-US" sz="2000" dirty="0"/>
@@ -5821,17 +5829,21 @@
               <a:buChar char="•"/>
             </a:pPr>
             <a:r>
-              <a:rPr lang="en-US" sz="2000"/>
+              <a:rPr lang="en-US" sz="2000" dirty="0"/>
               <a:t>Persistent patients who used </a:t>
             </a:r>
             <a:r>
-              <a:rPr lang="en-US" sz="2000">
+              <a:rPr lang="en-US" sz="2000" dirty="0">
                 <a:ea typeface="+mn-lt"/>
                 <a:cs typeface="+mn-lt"/>
               </a:rPr>
-              <a:t>Glucocorticoid are more than unpersistent</a:t>
-            </a:r>
-            <a:endParaRPr lang="en-US" sz="2000" dirty="0"/>
+              <a:t>Glucocorticoid are more than </a:t>
+            </a:r>
+            <a:r>
+              <a:rPr lang="en-US" dirty="0" err="1"/>
+              <a:t>unpersistent</a:t>
+            </a:r>
+            <a:endParaRPr lang="en-US" sz="2000" dirty="0" err="1"/>
           </a:p>
         </p:txBody>
       </p:sp>

--- a/EDA/eda.pptx
+++ b/EDA/eda.pptx
@@ -6,16 +6,17 @@
   </p:sldMasterIdLst>
   <p:sldIdLst>
     <p:sldId id="256" r:id="rId2"/>
-    <p:sldId id="259" r:id="rId3"/>
-    <p:sldId id="266" r:id="rId4"/>
-    <p:sldId id="257" r:id="rId5"/>
-    <p:sldId id="258" r:id="rId6"/>
-    <p:sldId id="260" r:id="rId7"/>
-    <p:sldId id="261" r:id="rId8"/>
-    <p:sldId id="262" r:id="rId9"/>
-    <p:sldId id="263" r:id="rId10"/>
-    <p:sldId id="264" r:id="rId11"/>
-    <p:sldId id="265" r:id="rId12"/>
+    <p:sldId id="267" r:id="rId3"/>
+    <p:sldId id="259" r:id="rId4"/>
+    <p:sldId id="266" r:id="rId5"/>
+    <p:sldId id="257" r:id="rId6"/>
+    <p:sldId id="258" r:id="rId7"/>
+    <p:sldId id="260" r:id="rId8"/>
+    <p:sldId id="261" r:id="rId9"/>
+    <p:sldId id="262" r:id="rId10"/>
+    <p:sldId id="263" r:id="rId11"/>
+    <p:sldId id="264" r:id="rId12"/>
+    <p:sldId id="265" r:id="rId13"/>
   </p:sldIdLst>
   <p:sldSz cx="12192000" cy="6858000"/>
   <p:notesSz cx="6858000" cy="9144000"/>
@@ -129,6 +130,7 @@
     <p1510:client id="{17C37EE4-20F5-4144-9FA0-B71B58DE79C4}" v="21" dt="2021-10-14T14:34:48.262"/>
     <p1510:client id="{35B09AB5-ACAF-4DD8-987C-6B5DE5551A95}" v="246" dt="2021-10-08T13:04:10.901"/>
     <p1510:client id="{51CECC49-28A6-4484-B189-2A45C81B9804}" v="242" dt="2021-10-14T13:09:13.879"/>
+    <p1510:client id="{AFBE760F-351A-4B16-B1BA-23A65827EDBA}" v="6" dt="2021-10-14T15:27:25.928"/>
     <p1510:client id="{DE6DDADB-5DF9-4F98-BBF4-7A5E3429CCD0}" v="1223" dt="2021-10-09T12:32:41.370"/>
   </p1510:revLst>
 </p1510:revInfo>
@@ -4185,6 +4187,106 @@
           <p:cNvPr id="2" name="Title 1">
             <a:extLst>
               <a:ext uri="{FF2B5EF4-FFF2-40B4-BE49-F238E27FC236}">
+                <a16:creationId xmlns:a16="http://schemas.microsoft.com/office/drawing/2014/main" id="{47F925E8-601A-4E4E-B96E-317A9D91C21A}"/>
+              </a:ext>
+            </a:extLst>
+          </p:cNvPr>
+          <p:cNvSpPr>
+            <a:spLocks noGrp="1"/>
+          </p:cNvSpPr>
+          <p:nvPr>
+            <p:ph type="title"/>
+          </p:nvPr>
+        </p:nvSpPr>
+        <p:spPr/>
+        <p:txBody>
+          <a:bodyPr vert="horz" lIns="0" tIns="0" rIns="0" bIns="0" rtlCol="0" anchor="b">
+            <a:noAutofit/>
+          </a:bodyPr>
+          <a:lstStyle/>
+          <a:p>
+            <a:r>
+              <a:rPr lang="en-US" sz="2800" b="0" dirty="0">
+                <a:ea typeface="+mj-lt"/>
+                <a:cs typeface="+mj-lt"/>
+              </a:rPr>
+              <a:t>Concomitant drugs recorded prior to starting with a therapy </a:t>
+            </a:r>
+            <a:r>
+              <a:rPr lang="en-US" sz="2800" b="0">
+                <a:ea typeface="+mj-lt"/>
+                <a:cs typeface="+mj-lt"/>
+              </a:rPr>
+              <a:t>that have good effect on the presitency</a:t>
+            </a:r>
+            <a:endParaRPr lang="en-US" sz="2800"/>
+          </a:p>
+        </p:txBody>
+      </p:sp>
+      <p:pic>
+        <p:nvPicPr>
+          <p:cNvPr id="4" name="Picture 4" descr="Chart&#10;&#10;Description automatically generated">
+            <a:extLst>
+              <a:ext uri="{FF2B5EF4-FFF2-40B4-BE49-F238E27FC236}">
+                <a16:creationId xmlns:a16="http://schemas.microsoft.com/office/drawing/2014/main" id="{7CD9E789-3098-4B5F-95CC-73FD9E300603}"/>
+              </a:ext>
+            </a:extLst>
+          </p:cNvPr>
+          <p:cNvPicPr>
+            <a:picLocks noGrp="1" noChangeAspect="1"/>
+          </p:cNvPicPr>
+          <p:nvPr>
+            <p:ph idx="1"/>
+          </p:nvPr>
+        </p:nvPicPr>
+        <p:blipFill>
+          <a:blip r:embed="rId2"/>
+          <a:stretch>
+            <a:fillRect/>
+          </a:stretch>
+        </p:blipFill>
+        <p:spPr>
+          <a:xfrm>
+            <a:off x="1433030" y="2614260"/>
+            <a:ext cx="9867900" cy="3143250"/>
+          </a:xfrm>
+        </p:spPr>
+      </p:pic>
+    </p:spTree>
+    <p:extLst>
+      <p:ext uri="{BB962C8B-B14F-4D97-AF65-F5344CB8AC3E}">
+        <p14:creationId xmlns:p14="http://schemas.microsoft.com/office/powerpoint/2010/main" val="1927061649"/>
+      </p:ext>
+    </p:extLst>
+  </p:cSld>
+  <p:clrMapOvr>
+    <a:masterClrMapping/>
+  </p:clrMapOvr>
+</p:sld>
+</file>
+
+<file path=ppt/slides/slide11.xml><?xml version="1.0" encoding="utf-8"?>
+<p:sld xmlns:a="http://schemas.openxmlformats.org/drawingml/2006/main" xmlns:r="http://schemas.openxmlformats.org/officeDocument/2006/relationships" xmlns:p="http://schemas.openxmlformats.org/presentationml/2006/main">
+  <p:cSld>
+    <p:spTree>
+      <p:nvGrpSpPr>
+        <p:cNvPr id="1" name=""/>
+        <p:cNvGrpSpPr/>
+        <p:nvPr/>
+      </p:nvGrpSpPr>
+      <p:grpSpPr>
+        <a:xfrm>
+          <a:off x="0" y="0"/>
+          <a:ext cx="0" cy="0"/>
+          <a:chOff x="0" y="0"/>
+          <a:chExt cx="0" cy="0"/>
+        </a:xfrm>
+      </p:grpSpPr>
+      <p:sp>
+        <p:nvSpPr>
+          <p:cNvPr id="2" name="Title 1">
+            <a:extLst>
+              <a:ext uri="{FF2B5EF4-FFF2-40B4-BE49-F238E27FC236}">
                 <a16:creationId xmlns:a16="http://schemas.microsoft.com/office/drawing/2014/main" id="{699AF641-D558-43F9-B615-3824798C905A}"/>
               </a:ext>
             </a:extLst>
@@ -4276,7 +4378,7 @@
 </p:sld>
 </file>
 
-<file path=ppt/slides/slide11.xml><?xml version="1.0" encoding="utf-8"?>
+<file path=ppt/slides/slide12.xml><?xml version="1.0" encoding="utf-8"?>
 <p:sld xmlns:a="http://schemas.openxmlformats.org/drawingml/2006/main" xmlns:r="http://schemas.openxmlformats.org/officeDocument/2006/relationships" xmlns:p="http://schemas.openxmlformats.org/presentationml/2006/main">
   <p:cSld>
     <p:spTree>
@@ -4431,6 +4533,231 @@
           <p:cNvPr id="2" name="Title 1">
             <a:extLst>
               <a:ext uri="{FF2B5EF4-FFF2-40B4-BE49-F238E27FC236}">
+                <a16:creationId xmlns:a16="http://schemas.microsoft.com/office/drawing/2014/main" id="{837AA2B2-DC97-4CE4-8D47-5182F38C3A9D}"/>
+              </a:ext>
+            </a:extLst>
+          </p:cNvPr>
+          <p:cNvSpPr>
+            <a:spLocks noGrp="1"/>
+          </p:cNvSpPr>
+          <p:nvPr>
+            <p:ph type="title"/>
+          </p:nvPr>
+        </p:nvSpPr>
+        <p:spPr>
+          <a:xfrm>
+            <a:off x="1371600" y="133791"/>
+            <a:ext cx="10241280" cy="1234440"/>
+          </a:xfrm>
+        </p:spPr>
+        <p:txBody>
+          <a:bodyPr/>
+          <a:lstStyle/>
+          <a:p>
+            <a:r>
+              <a:rPr lang="en-US"/>
+              <a:t>Info</a:t>
+            </a:r>
+          </a:p>
+        </p:txBody>
+      </p:sp>
+      <p:sp>
+        <p:nvSpPr>
+          <p:cNvPr id="3" name="Content Placeholder 2">
+            <a:extLst>
+              <a:ext uri="{FF2B5EF4-FFF2-40B4-BE49-F238E27FC236}">
+                <a16:creationId xmlns:a16="http://schemas.microsoft.com/office/drawing/2014/main" id="{602534CE-71E9-49CE-A2C3-FCBEB4C6BA65}"/>
+              </a:ext>
+            </a:extLst>
+          </p:cNvPr>
+          <p:cNvSpPr>
+            <a:spLocks noGrp="1"/>
+          </p:cNvSpPr>
+          <p:nvPr>
+            <p:ph idx="1"/>
+          </p:nvPr>
+        </p:nvSpPr>
+        <p:spPr>
+          <a:xfrm>
+            <a:off x="1331495" y="1560817"/>
+            <a:ext cx="10522016" cy="4520825"/>
+          </a:xfrm>
+        </p:spPr>
+        <p:txBody>
+          <a:bodyPr vert="horz" lIns="0" tIns="0" rIns="0" bIns="0" rtlCol="0" anchor="t">
+            <a:normAutofit fontScale="85000" lnSpcReduction="10000"/>
+          </a:bodyPr>
+          <a:lstStyle/>
+          <a:p>
+            <a:r>
+              <a:rPr lang="en-US">
+                <a:ea typeface="+mn-lt"/>
+                <a:cs typeface="+mn-lt"/>
+              </a:rPr>
+              <a:t>Group Name: sika (individual)</a:t>
+            </a:r>
+            <a:endParaRPr lang="en-US" dirty="0">
+              <a:ea typeface="+mn-lt"/>
+              <a:cs typeface="+mn-lt"/>
+            </a:endParaRPr>
+          </a:p>
+          <a:p>
+            <a:r>
+              <a:rPr lang="en-US">
+                <a:ea typeface="+mn-lt"/>
+                <a:cs typeface="+mn-lt"/>
+              </a:rPr>
+              <a:t>Name: Mohamed Sayed Hassan</a:t>
+            </a:r>
+            <a:endParaRPr lang="en-US" dirty="0">
+              <a:ea typeface="+mn-lt"/>
+              <a:cs typeface="+mn-lt"/>
+            </a:endParaRPr>
+          </a:p>
+          <a:p>
+            <a:r>
+              <a:rPr lang="en-US">
+                <a:ea typeface="+mn-lt"/>
+                <a:cs typeface="+mn-lt"/>
+              </a:rPr>
+              <a:t>Email: </a:t>
+            </a:r>
+            <a:r>
+              <a:rPr lang="en-US" u="sng" dirty="0">
+                <a:ea typeface="+mn-lt"/>
+                <a:cs typeface="+mn-lt"/>
+                <a:hlinkClick r:id="rId2"/>
+              </a:rPr>
+              <a:t>msiika70@gmail.com</a:t>
+            </a:r>
+            <a:endParaRPr lang="en-US" dirty="0">
+              <a:ea typeface="+mn-lt"/>
+              <a:cs typeface="+mn-lt"/>
+            </a:endParaRPr>
+          </a:p>
+          <a:p>
+            <a:r>
+              <a:rPr lang="en-US">
+                <a:ea typeface="+mn-lt"/>
+                <a:cs typeface="+mn-lt"/>
+              </a:rPr>
+              <a:t>Country: Egypt</a:t>
+            </a:r>
+            <a:endParaRPr lang="en-US" dirty="0">
+              <a:ea typeface="+mn-lt"/>
+              <a:cs typeface="+mn-lt"/>
+            </a:endParaRPr>
+          </a:p>
+          <a:p>
+            <a:r>
+              <a:rPr lang="en-US">
+                <a:ea typeface="+mn-lt"/>
+                <a:cs typeface="+mn-lt"/>
+              </a:rPr>
+              <a:t>College: Cairo university, Faculty of computers and artificial intelligence</a:t>
+            </a:r>
+            <a:endParaRPr lang="en-US" dirty="0">
+              <a:ea typeface="+mn-lt"/>
+              <a:cs typeface="+mn-lt"/>
+            </a:endParaRPr>
+          </a:p>
+          <a:p>
+            <a:r>
+              <a:rPr lang="en-US">
+                <a:ea typeface="+mn-lt"/>
+                <a:cs typeface="+mn-lt"/>
+              </a:rPr>
+              <a:t>Specialization: Data Science</a:t>
+            </a:r>
+            <a:endParaRPr lang="en-US" dirty="0">
+              <a:ea typeface="+mn-lt"/>
+              <a:cs typeface="+mn-lt"/>
+            </a:endParaRPr>
+          </a:p>
+          <a:p>
+            <a:endParaRPr lang="en-US" dirty="0">
+              <a:ea typeface="+mn-lt"/>
+              <a:cs typeface="+mn-lt"/>
+            </a:endParaRPr>
+          </a:p>
+          <a:p>
+            <a:endParaRPr lang="en-US" dirty="0">
+              <a:ea typeface="+mn-lt"/>
+              <a:cs typeface="+mn-lt"/>
+            </a:endParaRPr>
+          </a:p>
+          <a:p>
+            <a:r>
+              <a:rPr lang="en-US" b="1">
+                <a:ea typeface="+mn-lt"/>
+                <a:cs typeface="+mn-lt"/>
+              </a:rPr>
+              <a:t>Problem Description:</a:t>
+            </a:r>
+            <a:endParaRPr lang="en-US" dirty="0">
+              <a:ea typeface="+mn-lt"/>
+              <a:cs typeface="+mn-lt"/>
+            </a:endParaRPr>
+          </a:p>
+          <a:p>
+            <a:r>
+              <a:rPr lang="en-US">
+                <a:ea typeface="+mn-lt"/>
+                <a:cs typeface="+mn-lt"/>
+              </a:rPr>
+              <a:t>gather insights on the factors that are impacting the persistency, build a classification for the given dataset.</a:t>
+            </a:r>
+            <a:br>
+              <a:rPr lang="en-US" dirty="0">
+                <a:ea typeface="+mn-lt"/>
+                <a:cs typeface="+mn-lt"/>
+              </a:rPr>
+            </a:br>
+            <a:endParaRPr lang="en-US" dirty="0">
+              <a:ea typeface="+mn-lt"/>
+              <a:cs typeface="+mn-lt"/>
+            </a:endParaRPr>
+          </a:p>
+          <a:p>
+            <a:endParaRPr lang="en-US" dirty="0"/>
+          </a:p>
+        </p:txBody>
+      </p:sp>
+    </p:spTree>
+    <p:extLst>
+      <p:ext uri="{BB962C8B-B14F-4D97-AF65-F5344CB8AC3E}">
+        <p14:creationId xmlns:p14="http://schemas.microsoft.com/office/powerpoint/2010/main" val="598361439"/>
+      </p:ext>
+    </p:extLst>
+  </p:cSld>
+  <p:clrMapOvr>
+    <a:masterClrMapping/>
+  </p:clrMapOvr>
+</p:sld>
+</file>
+
+<file path=ppt/slides/slide3.xml><?xml version="1.0" encoding="utf-8"?>
+<p:sld xmlns:a="http://schemas.openxmlformats.org/drawingml/2006/main" xmlns:r="http://schemas.openxmlformats.org/officeDocument/2006/relationships" xmlns:p="http://schemas.openxmlformats.org/presentationml/2006/main">
+  <p:cSld>
+    <p:spTree>
+      <p:nvGrpSpPr>
+        <p:cNvPr id="1" name=""/>
+        <p:cNvGrpSpPr/>
+        <p:nvPr/>
+      </p:nvGrpSpPr>
+      <p:grpSpPr>
+        <a:xfrm>
+          <a:off x="0" y="0"/>
+          <a:ext cx="0" cy="0"/>
+          <a:chOff x="0" y="0"/>
+          <a:chExt cx="0" cy="0"/>
+        </a:xfrm>
+      </p:grpSpPr>
+      <p:sp>
+        <p:nvSpPr>
+          <p:cNvPr id="2" name="Title 1">
+            <a:extLst>
+              <a:ext uri="{FF2B5EF4-FFF2-40B4-BE49-F238E27FC236}">
                 <a16:creationId xmlns:a16="http://schemas.microsoft.com/office/drawing/2014/main" id="{BFF0FA6F-E02B-4739-9F7E-73210C65776A}"/>
               </a:ext>
             </a:extLst>
@@ -4602,7 +4929,7 @@
 </p:sld>
 </file>
 
-<file path=ppt/slides/slide3.xml><?xml version="1.0" encoding="utf-8"?>
+<file path=ppt/slides/slide4.xml><?xml version="1.0" encoding="utf-8"?>
 <p:sld xmlns:a="http://schemas.openxmlformats.org/drawingml/2006/main" xmlns:r="http://schemas.openxmlformats.org/officeDocument/2006/relationships" xmlns:p="http://schemas.openxmlformats.org/presentationml/2006/main">
   <p:cSld>
     <p:spTree>
@@ -5139,7 +5466,7 @@
 </p:sld>
 </file>
 
-<file path=ppt/slides/slide4.xml><?xml version="1.0" encoding="utf-8"?>
+<file path=ppt/slides/slide5.xml><?xml version="1.0" encoding="utf-8"?>
 <p:sld xmlns:a="http://schemas.openxmlformats.org/drawingml/2006/main" xmlns:r="http://schemas.openxmlformats.org/officeDocument/2006/relationships" xmlns:p="http://schemas.openxmlformats.org/presentationml/2006/main">
   <p:cSld>
     <p:spTree>
@@ -5274,7 +5601,7 @@
 </p:sld>
 </file>
 
-<file path=ppt/slides/slide5.xml><?xml version="1.0" encoding="utf-8"?>
+<file path=ppt/slides/slide6.xml><?xml version="1.0" encoding="utf-8"?>
 <p:sld xmlns:a="http://schemas.openxmlformats.org/drawingml/2006/main" xmlns:r="http://schemas.openxmlformats.org/officeDocument/2006/relationships" xmlns:p="http://schemas.openxmlformats.org/presentationml/2006/main">
   <p:cSld>
     <p:spTree>
@@ -5413,7 +5740,7 @@
 </p:sld>
 </file>
 
-<file path=ppt/slides/slide6.xml><?xml version="1.0" encoding="utf-8"?>
+<file path=ppt/slides/slide7.xml><?xml version="1.0" encoding="utf-8"?>
 <p:sld xmlns:a="http://schemas.openxmlformats.org/drawingml/2006/main" xmlns:r="http://schemas.openxmlformats.org/officeDocument/2006/relationships" xmlns:p="http://schemas.openxmlformats.org/presentationml/2006/main">
   <p:cSld>
     <p:spTree>
@@ -5534,167 +5861,6 @@
 </p:sld>
 </file>
 
-<file path=ppt/slides/slide7.xml><?xml version="1.0" encoding="utf-8"?>
-<p:sld xmlns:a="http://schemas.openxmlformats.org/drawingml/2006/main" xmlns:r="http://schemas.openxmlformats.org/officeDocument/2006/relationships" xmlns:p="http://schemas.openxmlformats.org/presentationml/2006/main">
-  <p:cSld>
-    <p:spTree>
-      <p:nvGrpSpPr>
-        <p:cNvPr id="1" name=""/>
-        <p:cNvGrpSpPr/>
-        <p:nvPr/>
-      </p:nvGrpSpPr>
-      <p:grpSpPr>
-        <a:xfrm>
-          <a:off x="0" y="0"/>
-          <a:ext cx="0" cy="0"/>
-          <a:chOff x="0" y="0"/>
-          <a:chExt cx="0" cy="0"/>
-        </a:xfrm>
-      </p:grpSpPr>
-      <p:sp>
-        <p:nvSpPr>
-          <p:cNvPr id="2" name="Title 1">
-            <a:extLst>
-              <a:ext uri="{FF2B5EF4-FFF2-40B4-BE49-F238E27FC236}">
-                <a16:creationId xmlns:a16="http://schemas.microsoft.com/office/drawing/2014/main" id="{08F85B93-FE0F-4999-8D2A-9F0F5F28A514}"/>
-              </a:ext>
-            </a:extLst>
-          </p:cNvPr>
-          <p:cNvSpPr>
-            <a:spLocks noGrp="1"/>
-          </p:cNvSpPr>
-          <p:nvPr>
-            <p:ph type="title"/>
-          </p:nvPr>
-        </p:nvSpPr>
-        <p:spPr/>
-        <p:txBody>
-          <a:bodyPr>
-            <a:normAutofit/>
-          </a:bodyPr>
-          <a:lstStyle/>
-          <a:p>
-            <a:r>
-              <a:rPr lang="en-US" sz="2400"/>
-              <a:t>From the last slide we conclude:</a:t>
-            </a:r>
-          </a:p>
-        </p:txBody>
-      </p:sp>
-      <p:sp>
-        <p:nvSpPr>
-          <p:cNvPr id="3" name="Content Placeholder 2">
-            <a:extLst>
-              <a:ext uri="{FF2B5EF4-FFF2-40B4-BE49-F238E27FC236}">
-                <a16:creationId xmlns:a16="http://schemas.microsoft.com/office/drawing/2014/main" id="{3DC76D35-7D34-42A8-808C-526FA93CC54E}"/>
-              </a:ext>
-            </a:extLst>
-          </p:cNvPr>
-          <p:cNvSpPr>
-            <a:spLocks noGrp="1"/>
-          </p:cNvSpPr>
-          <p:nvPr>
-            <p:ph idx="1"/>
-          </p:nvPr>
-        </p:nvSpPr>
-        <p:spPr/>
-        <p:txBody>
-          <a:bodyPr vert="horz" lIns="0" tIns="0" rIns="0" bIns="0" rtlCol="0" anchor="t">
-            <a:normAutofit/>
-          </a:bodyPr>
-          <a:lstStyle/>
-          <a:p>
-            <a:r>
-              <a:rPr lang="en-US" dirty="0"/>
-              <a:t>If the HCP who </a:t>
-            </a:r>
-            <a:r>
-              <a:rPr lang="en-US" dirty="0">
-                <a:ea typeface="+mn-lt"/>
-                <a:cs typeface="+mn-lt"/>
-              </a:rPr>
-              <a:t>prescribed the NTM RX is a specialist the patient tends to be more persistent.</a:t>
-            </a:r>
-          </a:p>
-          <a:p>
-            <a:r>
-              <a:rPr lang="en-US" dirty="0"/>
-              <a:t>Non specialists have a large probability to have a </a:t>
-            </a:r>
-            <a:r>
-              <a:rPr lang="en-US" dirty="0" err="1"/>
-              <a:t>non persistent</a:t>
-            </a:r>
-            <a:r>
-              <a:rPr lang="en-US" dirty="0"/>
-              <a:t> patients . Patients have to take The </a:t>
-            </a:r>
-            <a:r>
-              <a:rPr lang="en-US" dirty="0" err="1"/>
-              <a:t>Ntm</a:t>
-            </a:r>
-            <a:r>
-              <a:rPr lang="en-US" dirty="0"/>
-              <a:t> Rx from </a:t>
-            </a:r>
-            <a:r>
-              <a:rPr lang="en-US" dirty="0" err="1"/>
-              <a:t>specialsts</a:t>
-            </a:r>
-            <a:r>
-              <a:rPr lang="en-US" dirty="0"/>
-              <a:t> only</a:t>
-            </a:r>
-          </a:p>
-          <a:p>
-            <a:r>
-              <a:rPr lang="en-US" dirty="0"/>
-              <a:t>The oncologists have more persistent patients than the other specialists</a:t>
-            </a:r>
-          </a:p>
-          <a:p>
-            <a:r>
-              <a:rPr lang="en-US" dirty="0"/>
-              <a:t>Oncologists do more </a:t>
-            </a:r>
-            <a:r>
-              <a:rPr lang="en-US" dirty="0" err="1"/>
-              <a:t>dexa</a:t>
-            </a:r>
-            <a:r>
-              <a:rPr lang="en-US" dirty="0"/>
-              <a:t> scans to their patients and other scans as well also they do more follow ups so that make sense the have more persistent patients.</a:t>
-            </a:r>
-          </a:p>
-          <a:p>
-            <a:r>
-              <a:rPr lang="en-US" dirty="0"/>
-              <a:t>General practitioners have high percentage of </a:t>
-            </a:r>
-            <a:r>
-              <a:rPr lang="en-US" dirty="0" err="1"/>
-              <a:t>unpersistent</a:t>
-            </a:r>
-            <a:r>
-              <a:rPr lang="en-US" dirty="0"/>
-              <a:t> patients than the other specialists.</a:t>
-            </a:r>
-          </a:p>
-        </p:txBody>
-      </p:sp>
-    </p:spTree>
-    <p:extLst>
-      <p:ext uri="{BB962C8B-B14F-4D97-AF65-F5344CB8AC3E}">
-        <p14:creationId xmlns:p14="http://schemas.microsoft.com/office/powerpoint/2010/main" val="313209016"/>
-      </p:ext>
-    </p:extLst>
-  </p:cSld>
-  <p:clrMapOvr>
-    <a:masterClrMapping/>
-  </p:clrMapOvr>
-</p:sld>
-</file>
-
 <file path=ppt/slides/slide8.xml><?xml version="1.0" encoding="utf-8"?>
 <p:sld xmlns:a="http://schemas.openxmlformats.org/drawingml/2006/main" xmlns:r="http://schemas.openxmlformats.org/officeDocument/2006/relationships" xmlns:p="http://schemas.openxmlformats.org/presentationml/2006/main">
   <p:cSld>
@@ -5717,7 +5883,7 @@
           <p:cNvPr id="2" name="Title 1">
             <a:extLst>
               <a:ext uri="{FF2B5EF4-FFF2-40B4-BE49-F238E27FC236}">
-                <a16:creationId xmlns:a16="http://schemas.microsoft.com/office/drawing/2014/main" id="{5F73784E-DA8E-42E9-986A-2180C4A3154F}"/>
+                <a16:creationId xmlns:a16="http://schemas.microsoft.com/office/drawing/2014/main" id="{08F85B93-FE0F-4999-8D2A-9F0F5F28A514}"/>
               </a:ext>
             </a:extLst>
           </p:cNvPr>
@@ -5728,12 +5894,7 @@
             <p:ph type="title"/>
           </p:nvPr>
         </p:nvSpPr>
-        <p:spPr>
-          <a:xfrm>
-            <a:off x="1371600" y="440624"/>
-            <a:ext cx="10241280" cy="1234440"/>
-          </a:xfrm>
-        </p:spPr>
+        <p:spPr/>
         <p:txBody>
           <a:bodyPr>
             <a:normAutofit/>
@@ -5741,116 +5902,117 @@
           <a:lstStyle/>
           <a:p>
             <a:r>
-              <a:rPr lang="en-US" sz="2400" b="0">
-                <a:ea typeface="+mj-lt"/>
-                <a:cs typeface="+mj-lt"/>
-              </a:rPr>
-              <a:t>patient had a Glucocorticoid usage during the first continuous therapy and it's relation with persistency flag</a:t>
-            </a:r>
-            <a:endParaRPr lang="en-US" sz="2400"/>
-          </a:p>
-        </p:txBody>
-      </p:sp>
-      <p:pic>
-        <p:nvPicPr>
-          <p:cNvPr id="4" name="Picture 4" descr="A picture containing icon&#10;&#10;Description automatically generated">
-            <a:extLst>
-              <a:ext uri="{FF2B5EF4-FFF2-40B4-BE49-F238E27FC236}">
-                <a16:creationId xmlns:a16="http://schemas.microsoft.com/office/drawing/2014/main" id="{54B4E2CC-34EF-46D2-8BBF-57314D71B7D8}"/>
-              </a:ext>
-            </a:extLst>
-          </p:cNvPr>
-          <p:cNvPicPr>
-            <a:picLocks noGrp="1" noChangeAspect="1"/>
-          </p:cNvPicPr>
+              <a:rPr lang="en-US" sz="2400"/>
+              <a:t>From the last slide we conclude:</a:t>
+            </a:r>
+          </a:p>
+        </p:txBody>
+      </p:sp>
+      <p:sp>
+        <p:nvSpPr>
+          <p:cNvPr id="3" name="Content Placeholder 2">
+            <a:extLst>
+              <a:ext uri="{FF2B5EF4-FFF2-40B4-BE49-F238E27FC236}">
+                <a16:creationId xmlns:a16="http://schemas.microsoft.com/office/drawing/2014/main" id="{3DC76D35-7D34-42A8-808C-526FA93CC54E}"/>
+              </a:ext>
+            </a:extLst>
+          </p:cNvPr>
+          <p:cNvSpPr>
+            <a:spLocks noGrp="1"/>
+          </p:cNvSpPr>
           <p:nvPr>
             <p:ph idx="1"/>
           </p:nvPr>
-        </p:nvPicPr>
-        <p:blipFill>
-          <a:blip r:embed="rId2"/>
-          <a:stretch>
-            <a:fillRect/>
-          </a:stretch>
-        </p:blipFill>
-        <p:spPr>
-          <a:xfrm>
-            <a:off x="7248284" y="1870904"/>
-            <a:ext cx="4428564" cy="4439770"/>
-          </a:xfrm>
-        </p:spPr>
-      </p:pic>
-      <p:sp>
-        <p:nvSpPr>
-          <p:cNvPr id="5" name="TextBox 4">
-            <a:extLst>
-              <a:ext uri="{FF2B5EF4-FFF2-40B4-BE49-F238E27FC236}">
-                <a16:creationId xmlns:a16="http://schemas.microsoft.com/office/drawing/2014/main" id="{8A1C8CA2-389C-4588-AE50-8C35EF169FC1}"/>
-              </a:ext>
-            </a:extLst>
-          </p:cNvPr>
-          <p:cNvSpPr txBox="1"/>
-          <p:nvPr/>
-        </p:nvSpPr>
-        <p:spPr>
-          <a:xfrm>
-            <a:off x="1373688" y="2407085"/>
-            <a:ext cx="4997883" cy="2554545"/>
-          </a:xfrm>
-          <a:prstGeom prst="rect">
-            <a:avLst/>
-          </a:prstGeom>
-          <a:noFill/>
-        </p:spPr>
-        <p:txBody>
-          <a:bodyPr rot="0" spcFirstLastPara="0" vertOverflow="overflow" horzOverflow="overflow" vert="horz" wrap="square" lIns="91440" tIns="45720" rIns="91440" bIns="45720" numCol="1" spcCol="0" rtlCol="0" fromWordArt="0" anchor="t" anchorCtr="0" forceAA="0" compatLnSpc="1">
-            <a:prstTxWarp prst="textNoShape">
-              <a:avLst/>
-            </a:prstTxWarp>
-            <a:spAutoFit/>
+        </p:nvSpPr>
+        <p:spPr/>
+        <p:txBody>
+          <a:bodyPr vert="horz" lIns="0" tIns="0" rIns="0" bIns="0" rtlCol="0" anchor="t">
+            <a:normAutofit/>
           </a:bodyPr>
           <a:lstStyle/>
           <a:p>
-            <a:pPr marL="285750" indent="-285750">
-              <a:buFont typeface="Arial"/>
-              <a:buChar char="•"/>
-            </a:pPr>
-            <a:r>
-              <a:rPr lang="en-US" sz="2000" dirty="0"/>
-              <a:t>From this plot it appears that a large percentage of the patients who hadn't Glucocorticoid during the first continuous therapy are un persistent .</a:t>
-            </a:r>
-          </a:p>
-          <a:p>
-            <a:endParaRPr lang="en-US" sz="2000" dirty="0"/>
-          </a:p>
-          <a:p>
-            <a:pPr marL="285750" indent="-285750">
-              <a:buFont typeface="Arial"/>
-              <a:buChar char="•"/>
-            </a:pPr>
-            <a:r>
-              <a:rPr lang="en-US" sz="2000" dirty="0"/>
-              <a:t>Persistent patients who used </a:t>
-            </a:r>
-            <a:r>
-              <a:rPr lang="en-US" sz="2000" dirty="0">
+            <a:r>
+              <a:rPr lang="en-US" dirty="0"/>
+              <a:t>If the HCP who </a:t>
+            </a:r>
+            <a:r>
+              <a:rPr lang="en-US" dirty="0">
                 <a:ea typeface="+mn-lt"/>
                 <a:cs typeface="+mn-lt"/>
               </a:rPr>
-              <a:t>Glucocorticoid are more than </a:t>
+              <a:t>prescribed the NTM RX is a specialist the patient tends to be more persistent.</a:t>
+            </a:r>
+          </a:p>
+          <a:p>
+            <a:r>
+              <a:rPr lang="en-US" dirty="0"/>
+              <a:t>Non specialists have a large probability to have a </a:t>
+            </a:r>
+            <a:r>
+              <a:rPr lang="en-US" dirty="0" err="1"/>
+              <a:t>non persistent</a:t>
+            </a:r>
+            <a:r>
+              <a:rPr lang="en-US" dirty="0"/>
+              <a:t> patients . Patients have to take The </a:t>
+            </a:r>
+            <a:r>
+              <a:rPr lang="en-US" dirty="0" err="1"/>
+              <a:t>Ntm</a:t>
+            </a:r>
+            <a:r>
+              <a:rPr lang="en-US" dirty="0"/>
+              <a:t> Rx from </a:t>
+            </a:r>
+            <a:r>
+              <a:rPr lang="en-US" dirty="0" err="1"/>
+              <a:t>specialsts</a:t>
+            </a:r>
+            <a:r>
+              <a:rPr lang="en-US" dirty="0"/>
+              <a:t> only</a:t>
+            </a:r>
+          </a:p>
+          <a:p>
+            <a:r>
+              <a:rPr lang="en-US" dirty="0"/>
+              <a:t>The oncologists have more persistent patients than the other specialists</a:t>
+            </a:r>
+          </a:p>
+          <a:p>
+            <a:r>
+              <a:rPr lang="en-US" dirty="0"/>
+              <a:t>Oncologists do more </a:t>
+            </a:r>
+            <a:r>
+              <a:rPr lang="en-US" dirty="0" err="1"/>
+              <a:t>dexa</a:t>
+            </a:r>
+            <a:r>
+              <a:rPr lang="en-US" dirty="0"/>
+              <a:t> scans to their patients and other scans as well also they do more follow ups so that make sense the have more persistent patients.</a:t>
+            </a:r>
+          </a:p>
+          <a:p>
+            <a:r>
+              <a:rPr lang="en-US" dirty="0"/>
+              <a:t>General practitioners have high percentage of </a:t>
             </a:r>
             <a:r>
               <a:rPr lang="en-US" dirty="0" err="1"/>
               <a:t>unpersistent</a:t>
             </a:r>
-            <a:endParaRPr lang="en-US" sz="2000" dirty="0" err="1"/>
+            <a:r>
+              <a:rPr lang="en-US" dirty="0"/>
+              <a:t> patients than the other specialists.</a:t>
+            </a:r>
           </a:p>
         </p:txBody>
       </p:sp>
     </p:spTree>
     <p:extLst>
       <p:ext uri="{BB962C8B-B14F-4D97-AF65-F5344CB8AC3E}">
-        <p14:creationId xmlns:p14="http://schemas.microsoft.com/office/powerpoint/2010/main" val="2660822006"/>
+        <p14:creationId xmlns:p14="http://schemas.microsoft.com/office/powerpoint/2010/main" val="313209016"/>
       </p:ext>
     </p:extLst>
   </p:cSld>
@@ -5882,7 +6044,7 @@
           <p:cNvPr id="2" name="Title 1">
             <a:extLst>
               <a:ext uri="{FF2B5EF4-FFF2-40B4-BE49-F238E27FC236}">
-                <a16:creationId xmlns:a16="http://schemas.microsoft.com/office/drawing/2014/main" id="{47F925E8-601A-4E4E-B96E-317A9D91C21A}"/>
+                <a16:creationId xmlns:a16="http://schemas.microsoft.com/office/drawing/2014/main" id="{5F73784E-DA8E-42E9-986A-2180C4A3154F}"/>
               </a:ext>
             </a:extLst>
           </p:cNvPr>
@@ -5893,37 +6055,35 @@
             <p:ph type="title"/>
           </p:nvPr>
         </p:nvSpPr>
-        <p:spPr/>
-        <p:txBody>
-          <a:bodyPr vert="horz" lIns="0" tIns="0" rIns="0" bIns="0" rtlCol="0" anchor="b">
-            <a:noAutofit/>
+        <p:spPr>
+          <a:xfrm>
+            <a:off x="1371600" y="440624"/>
+            <a:ext cx="10241280" cy="1234440"/>
+          </a:xfrm>
+        </p:spPr>
+        <p:txBody>
+          <a:bodyPr>
+            <a:normAutofit/>
           </a:bodyPr>
           <a:lstStyle/>
           <a:p>
             <a:r>
-              <a:rPr lang="en-US" sz="2800" b="0" dirty="0">
+              <a:rPr lang="en-US" sz="2400" b="0">
                 <a:ea typeface="+mj-lt"/>
                 <a:cs typeface="+mj-lt"/>
               </a:rPr>
-              <a:t>Concomitant drugs recorded prior to starting with a therapy </a:t>
-            </a:r>
-            <a:r>
-              <a:rPr lang="en-US" sz="2800" b="0">
-                <a:ea typeface="+mj-lt"/>
-                <a:cs typeface="+mj-lt"/>
-              </a:rPr>
-              <a:t>that have good effect on the presitency</a:t>
-            </a:r>
-            <a:endParaRPr lang="en-US" sz="2800"/>
+              <a:t>patient had a Glucocorticoid usage during the first continuous therapy and it's relation with persistency flag</a:t>
+            </a:r>
+            <a:endParaRPr lang="en-US" sz="2400"/>
           </a:p>
         </p:txBody>
       </p:sp>
       <p:pic>
         <p:nvPicPr>
-          <p:cNvPr id="4" name="Picture 4" descr="Chart&#10;&#10;Description automatically generated">
-            <a:extLst>
-              <a:ext uri="{FF2B5EF4-FFF2-40B4-BE49-F238E27FC236}">
-                <a16:creationId xmlns:a16="http://schemas.microsoft.com/office/drawing/2014/main" id="{7CD9E789-3098-4B5F-95CC-73FD9E300603}"/>
+          <p:cNvPr id="4" name="Picture 4" descr="A picture containing icon&#10;&#10;Description automatically generated">
+            <a:extLst>
+              <a:ext uri="{FF2B5EF4-FFF2-40B4-BE49-F238E27FC236}">
+                <a16:creationId xmlns:a16="http://schemas.microsoft.com/office/drawing/2014/main" id="{54B4E2CC-34EF-46D2-8BBF-57314D71B7D8}"/>
               </a:ext>
             </a:extLst>
           </p:cNvPr>
@@ -5942,15 +6102,82 @@
         </p:blipFill>
         <p:spPr>
           <a:xfrm>
-            <a:off x="1433030" y="2614260"/>
-            <a:ext cx="9867900" cy="3143250"/>
+            <a:off x="7248284" y="1870904"/>
+            <a:ext cx="4428564" cy="4439770"/>
           </a:xfrm>
         </p:spPr>
       </p:pic>
+      <p:sp>
+        <p:nvSpPr>
+          <p:cNvPr id="5" name="TextBox 4">
+            <a:extLst>
+              <a:ext uri="{FF2B5EF4-FFF2-40B4-BE49-F238E27FC236}">
+                <a16:creationId xmlns:a16="http://schemas.microsoft.com/office/drawing/2014/main" id="{8A1C8CA2-389C-4588-AE50-8C35EF169FC1}"/>
+              </a:ext>
+            </a:extLst>
+          </p:cNvPr>
+          <p:cNvSpPr txBox="1"/>
+          <p:nvPr/>
+        </p:nvSpPr>
+        <p:spPr>
+          <a:xfrm>
+            <a:off x="1373688" y="2407085"/>
+            <a:ext cx="4997883" cy="2554545"/>
+          </a:xfrm>
+          <a:prstGeom prst="rect">
+            <a:avLst/>
+          </a:prstGeom>
+          <a:noFill/>
+        </p:spPr>
+        <p:txBody>
+          <a:bodyPr rot="0" spcFirstLastPara="0" vertOverflow="overflow" horzOverflow="overflow" vert="horz" wrap="square" lIns="91440" tIns="45720" rIns="91440" bIns="45720" numCol="1" spcCol="0" rtlCol="0" fromWordArt="0" anchor="t" anchorCtr="0" forceAA="0" compatLnSpc="1">
+            <a:prstTxWarp prst="textNoShape">
+              <a:avLst/>
+            </a:prstTxWarp>
+            <a:spAutoFit/>
+          </a:bodyPr>
+          <a:lstStyle/>
+          <a:p>
+            <a:pPr marL="285750" indent="-285750">
+              <a:buFont typeface="Arial"/>
+              <a:buChar char="•"/>
+            </a:pPr>
+            <a:r>
+              <a:rPr lang="en-US" sz="2000" dirty="0"/>
+              <a:t>From this plot it appears that a large percentage of the patients who hadn't Glucocorticoid during the first continuous therapy are un persistent .</a:t>
+            </a:r>
+          </a:p>
+          <a:p>
+            <a:endParaRPr lang="en-US" sz="2000" dirty="0"/>
+          </a:p>
+          <a:p>
+            <a:pPr marL="285750" indent="-285750">
+              <a:buFont typeface="Arial"/>
+              <a:buChar char="•"/>
+            </a:pPr>
+            <a:r>
+              <a:rPr lang="en-US" sz="2000" dirty="0"/>
+              <a:t>Persistent patients who used </a:t>
+            </a:r>
+            <a:r>
+              <a:rPr lang="en-US" sz="2000" dirty="0">
+                <a:ea typeface="+mn-lt"/>
+                <a:cs typeface="+mn-lt"/>
+              </a:rPr>
+              <a:t>Glucocorticoid are more than </a:t>
+            </a:r>
+            <a:r>
+              <a:rPr lang="en-US" dirty="0" err="1"/>
+              <a:t>unpersistent</a:t>
+            </a:r>
+            <a:endParaRPr lang="en-US" sz="2000" dirty="0" err="1"/>
+          </a:p>
+        </p:txBody>
+      </p:sp>
     </p:spTree>
     <p:extLst>
       <p:ext uri="{BB962C8B-B14F-4D97-AF65-F5344CB8AC3E}">
-        <p14:creationId xmlns:p14="http://schemas.microsoft.com/office/powerpoint/2010/main" val="1927061649"/>
+        <p14:creationId xmlns:p14="http://schemas.microsoft.com/office/powerpoint/2010/main" val="2660822006"/>
       </p:ext>
     </p:extLst>
   </p:cSld>
